--- a/AdvOS/PPT+papers/L00-CourseIntro.pptx
+++ b/AdvOS/PPT+papers/L00-CourseIntro.pptx
@@ -5,19 +5,23 @@
     <p:sldMasterId id="2147483648" r:id="rId1"/>
   </p:sldMasterIdLst>
   <p:notesMasterIdLst>
-    <p:notesMasterId r:id="rId9"/>
+    <p:notesMasterId r:id="rId13"/>
   </p:notesMasterIdLst>
   <p:handoutMasterIdLst>
-    <p:handoutMasterId r:id="rId10"/>
+    <p:handoutMasterId r:id="rId14"/>
   </p:handoutMasterIdLst>
   <p:sldIdLst>
     <p:sldId id="257" r:id="rId2"/>
-    <p:sldId id="417" r:id="rId3"/>
+    <p:sldId id="412" r:id="rId3"/>
     <p:sldId id="421" r:id="rId4"/>
     <p:sldId id="419" r:id="rId5"/>
-    <p:sldId id="418" r:id="rId6"/>
-    <p:sldId id="420" r:id="rId7"/>
-    <p:sldId id="410" r:id="rId8"/>
+    <p:sldId id="388" r:id="rId6"/>
+    <p:sldId id="423" r:id="rId7"/>
+    <p:sldId id="425" r:id="rId8"/>
+    <p:sldId id="424" r:id="rId9"/>
+    <p:sldId id="418" r:id="rId10"/>
+    <p:sldId id="420" r:id="rId11"/>
+    <p:sldId id="422" r:id="rId12"/>
   </p:sldIdLst>
   <p:sldSz cx="9144000" cy="6858000" type="screen4x3"/>
   <p:notesSz cx="6858000" cy="9144000"/>
@@ -118,7 +122,7 @@
   </p:defaultTextStyle>
   <p:extLst>
     <p:ext uri="{EFAFB233-063F-42B5-8137-9DF3F51BA10A}">
-      <p15:sldGuideLst xmlns:p15="http://schemas.microsoft.com/office/powerpoint/2012/main" xmlns="">
+      <p15:sldGuideLst xmlns:p15="http://schemas.microsoft.com/office/powerpoint/2012/main">
         <p15:guide id="1" orient="horz" pos="2160">
           <p15:clr>
             <a:srgbClr val="A4A3A4"/>
@@ -132,7 +136,7 @@
       </p15:sldGuideLst>
     </p:ext>
     <p:ext uri="{2D200454-40CA-4A62-9FC3-DE9A4176ACB9}">
-      <p15:notesGuideLst xmlns:p15="http://schemas.microsoft.com/office/powerpoint/2012/main" xmlns="">
+      <p15:notesGuideLst xmlns:p15="http://schemas.microsoft.com/office/powerpoint/2012/main">
         <p15:guide id="1" orient="horz" pos="2880">
           <p15:clr>
             <a:srgbClr val="A4A3A4"/>
@@ -232,7 +236,7 @@
             <a:fld id="{F8933265-5E23-BF49-B6BF-1934B9BC786E}" type="datetimeFigureOut">
               <a:rPr lang="en-US" smtClean="0"/>
               <a:pPr/>
-              <a:t>5/8/2019</a:t>
+              <a:t>4/21/2020</a:t>
             </a:fld>
             <a:endParaRPr lang="en-US"/>
           </a:p>
@@ -308,7 +312,7 @@
     </p:spTree>
     <p:extLst>
       <p:ext uri="{BB962C8B-B14F-4D97-AF65-F5344CB8AC3E}">
-        <p14:creationId xmlns:p14="http://schemas.microsoft.com/office/powerpoint/2010/main" xmlns="" val="3322447265"/>
+        <p14:creationId xmlns:p14="http://schemas.microsoft.com/office/powerpoint/2010/main" val="3322447265"/>
       </p:ext>
     </p:extLst>
   </p:cSld>
@@ -400,7 +404,7 @@
             <a:fld id="{77AA1BC7-CCFC-484A-97F3-979F740C57F6}" type="datetimeFigureOut">
               <a:rPr lang="en-US" smtClean="0"/>
               <a:pPr/>
-              <a:t>5/8/2019</a:t>
+              <a:t>4/21/2020</a:t>
             </a:fld>
             <a:endParaRPr lang="en-US"/>
           </a:p>
@@ -570,7 +574,7 @@
     </p:spTree>
     <p:extLst>
       <p:ext uri="{BB962C8B-B14F-4D97-AF65-F5344CB8AC3E}">
-        <p14:creationId xmlns:p14="http://schemas.microsoft.com/office/powerpoint/2010/main" xmlns="" val="1669557469"/>
+        <p14:creationId xmlns:p14="http://schemas.microsoft.com/office/powerpoint/2010/main" val="1669557469"/>
       </p:ext>
     </p:extLst>
   </p:cSld>
@@ -690,6 +694,91 @@
       </p:grpSpPr>
       <p:sp>
         <p:nvSpPr>
+          <p:cNvPr id="2" name="Slide Image Placeholder 1"/>
+          <p:cNvSpPr>
+            <a:spLocks noGrp="1" noRot="1" noChangeAspect="1"/>
+          </p:cNvSpPr>
+          <p:nvPr>
+            <p:ph type="sldImg"/>
+          </p:nvPr>
+        </p:nvSpPr>
+        <p:spPr/>
+      </p:sp>
+      <p:sp>
+        <p:nvSpPr>
+          <p:cNvPr id="3" name="Notes Placeholder 2"/>
+          <p:cNvSpPr>
+            <a:spLocks noGrp="1"/>
+          </p:cNvSpPr>
+          <p:nvPr>
+            <p:ph type="body" idx="1"/>
+          </p:nvPr>
+        </p:nvSpPr>
+        <p:spPr/>
+        <p:txBody>
+          <a:bodyPr/>
+          <a:lstStyle/>
+          <a:p>
+            <a:endParaRPr lang="en-SE" dirty="0"/>
+          </a:p>
+        </p:txBody>
+      </p:sp>
+      <p:sp>
+        <p:nvSpPr>
+          <p:cNvPr id="4" name="Slide Number Placeholder 3"/>
+          <p:cNvSpPr>
+            <a:spLocks noGrp="1"/>
+          </p:cNvSpPr>
+          <p:nvPr>
+            <p:ph type="sldNum" sz="quarter" idx="5"/>
+          </p:nvPr>
+        </p:nvSpPr>
+        <p:spPr/>
+        <p:txBody>
+          <a:bodyPr/>
+          <a:lstStyle/>
+          <a:p>
+            <a:fld id="{F8560DBF-F109-8946-ADF0-EE66B221E988}" type="slidenum">
+              <a:rPr lang="en-AU" smtClean="0"/>
+              <a:pPr/>
+              <a:t>2</a:t>
+            </a:fld>
+            <a:endParaRPr lang="en-AU" dirty="0"/>
+          </a:p>
+        </p:txBody>
+      </p:sp>
+    </p:spTree>
+    <p:extLst>
+      <p:ext uri="{BB962C8B-B14F-4D97-AF65-F5344CB8AC3E}">
+        <p14:creationId xmlns:p14="http://schemas.microsoft.com/office/powerpoint/2010/main" val="3717417995"/>
+      </p:ext>
+    </p:extLst>
+  </p:cSld>
+  <p:clrMapOvr>
+    <a:masterClrMapping/>
+  </p:clrMapOvr>
+</p:notes>
+</file>
+
+<file path=ppt/notesSlides/notesSlide2.xml><?xml version="1.0" encoding="utf-8"?>
+<p:notes xmlns:a="http://schemas.openxmlformats.org/drawingml/2006/main" xmlns:r="http://schemas.openxmlformats.org/officeDocument/2006/relationships" xmlns:p="http://schemas.openxmlformats.org/presentationml/2006/main">
+  <p:cSld>
+    <p:spTree>
+      <p:nvGrpSpPr>
+        <p:cNvPr id="1" name=""/>
+        <p:cNvGrpSpPr/>
+        <p:nvPr/>
+      </p:nvGrpSpPr>
+      <p:grpSpPr>
+        <a:xfrm>
+          <a:off x="0" y="0"/>
+          <a:ext cx="0" cy="0"/>
+          <a:chOff x="0" y="0"/>
+          <a:chExt cx="0" cy="0"/>
+        </a:xfrm>
+      </p:grpSpPr>
+      <p:sp>
+        <p:nvSpPr>
           <p:cNvPr id="2" name="幻灯片图像占位符 1"/>
           <p:cNvSpPr>
             <a:spLocks noGrp="1" noRot="1" noChangeAspect="1"/>
@@ -718,9 +807,10 @@
           <a:lstStyle/>
           <a:p>
             <a:r>
-              <a:rPr lang="en-US" altLang="zh-CN" dirty="0"/>
-              <a:t>Refer to the “Links and References” page for related conferences and journals for possible ideas</a:t>
-            </a:r>
+              <a:rPr lang="en-US" altLang="zh-CN"/>
+              <a:t>This is a note</a:t>
+            </a:r>
+            <a:endParaRPr lang="en-US" altLang="zh-CN" dirty="0"/>
           </a:p>
         </p:txBody>
       </p:sp>
@@ -751,7 +841,97 @@
     </p:spTree>
     <p:extLst>
       <p:ext uri="{BB962C8B-B14F-4D97-AF65-F5344CB8AC3E}">
-        <p14:creationId xmlns:p14="http://schemas.microsoft.com/office/powerpoint/2010/main" xmlns="" val="1837329775"/>
+        <p14:creationId xmlns:p14="http://schemas.microsoft.com/office/powerpoint/2010/main" val="1958872916"/>
+      </p:ext>
+    </p:extLst>
+  </p:cSld>
+  <p:clrMapOvr>
+    <a:masterClrMapping/>
+  </p:clrMapOvr>
+</p:notes>
+</file>
+
+<file path=ppt/notesSlides/notesSlide3.xml><?xml version="1.0" encoding="utf-8"?>
+<p:notes xmlns:a="http://schemas.openxmlformats.org/drawingml/2006/main" xmlns:r="http://schemas.openxmlformats.org/officeDocument/2006/relationships" xmlns:p="http://schemas.openxmlformats.org/presentationml/2006/main">
+  <p:cSld>
+    <p:spTree>
+      <p:nvGrpSpPr>
+        <p:cNvPr id="1" name=""/>
+        <p:cNvGrpSpPr/>
+        <p:nvPr/>
+      </p:nvGrpSpPr>
+      <p:grpSpPr>
+        <a:xfrm>
+          <a:off x="0" y="0"/>
+          <a:ext cx="0" cy="0"/>
+          <a:chOff x="0" y="0"/>
+          <a:chExt cx="0" cy="0"/>
+        </a:xfrm>
+      </p:grpSpPr>
+      <p:sp>
+        <p:nvSpPr>
+          <p:cNvPr id="2" name="幻灯片图像占位符 1"/>
+          <p:cNvSpPr>
+            <a:spLocks noGrp="1" noRot="1" noChangeAspect="1"/>
+          </p:cNvSpPr>
+          <p:nvPr>
+            <p:ph type="sldImg"/>
+          </p:nvPr>
+        </p:nvSpPr>
+        <p:spPr/>
+      </p:sp>
+      <p:sp>
+        <p:nvSpPr>
+          <p:cNvPr id="3" name="备注占位符 2"/>
+          <p:cNvSpPr>
+            <a:spLocks noGrp="1"/>
+          </p:cNvSpPr>
+          <p:nvPr>
+            <p:ph type="body" idx="1"/>
+          </p:nvPr>
+        </p:nvSpPr>
+        <p:spPr/>
+        <p:txBody>
+          <a:bodyPr>
+            <a:normAutofit/>
+          </a:bodyPr>
+          <a:lstStyle/>
+          <a:p>
+            <a:r>
+              <a:rPr lang="en-US" altLang="zh-CN" dirty="0"/>
+              <a:t>Refer to the “Links and References” page for related conferences and journals for possible ideas</a:t>
+            </a:r>
+          </a:p>
+        </p:txBody>
+      </p:sp>
+      <p:sp>
+        <p:nvSpPr>
+          <p:cNvPr id="4" name="灯片编号占位符 3"/>
+          <p:cNvSpPr>
+            <a:spLocks noGrp="1"/>
+          </p:cNvSpPr>
+          <p:nvPr>
+            <p:ph type="sldNum" sz="quarter" idx="10"/>
+          </p:nvPr>
+        </p:nvSpPr>
+        <p:spPr/>
+        <p:txBody>
+          <a:bodyPr/>
+          <a:lstStyle/>
+          <a:p>
+            <a:fld id="{EF97FDFF-7B9F-7D4D-BFC0-AAD1F3D3D3CB}" type="slidenum">
+              <a:rPr lang="en-US" smtClean="0"/>
+              <a:pPr/>
+              <a:t>9</a:t>
+            </a:fld>
+            <a:endParaRPr lang="en-US"/>
+          </a:p>
+        </p:txBody>
+      </p:sp>
+    </p:spTree>
+    <p:extLst>
+      <p:ext uri="{BB962C8B-B14F-4D97-AF65-F5344CB8AC3E}">
+        <p14:creationId xmlns:p14="http://schemas.microsoft.com/office/powerpoint/2010/main" val="1837329775"/>
       </p:ext>
     </p:extLst>
   </p:cSld>
@@ -939,7 +1119,7 @@
             <a:fld id="{F2522AE9-B1C6-B042-A107-EE906DAFE47A}" type="datetime1">
               <a:rPr lang="en-US" smtClean="0"/>
               <a:pPr/>
-              <a:t>5/8/2019</a:t>
+              <a:t>4/21/2020</a:t>
             </a:fld>
             <a:endParaRPr lang="en-US"/>
           </a:p>
@@ -1085,7 +1265,7 @@
             <a:fld id="{43978029-9DF7-7445-88EF-08A8BCC03D5B}" type="datetime1">
               <a:rPr lang="en-US" smtClean="0"/>
               <a:pPr/>
-              <a:t>5/8/2019</a:t>
+              <a:t>4/21/2020</a:t>
             </a:fld>
             <a:endParaRPr lang="en-US"/>
           </a:p>
@@ -1308,7 +1488,7 @@
             <a:fld id="{FBF1B337-2382-054B-9CBC-B5E6411EBFC8}" type="datetime1">
               <a:rPr lang="en-US" smtClean="0"/>
               <a:pPr/>
-              <a:t>5/8/2019</a:t>
+              <a:t>4/21/2020</a:t>
             </a:fld>
             <a:endParaRPr lang="en-US"/>
           </a:p>
@@ -1571,7 +1751,7 @@
             <a:fld id="{20CED5B6-3291-6D46-85CD-2C693E79C6ED}" type="datetime1">
               <a:rPr lang="en-US" smtClean="0"/>
               <a:pPr/>
-              <a:t>5/8/2019</a:t>
+              <a:t>4/21/2020</a:t>
             </a:fld>
             <a:endParaRPr lang="en-US"/>
           </a:p>
@@ -1760,7 +1940,7 @@
             <a:fld id="{75F726D6-095E-2A47-BF9C-15C211CC03CA}" type="datetime1">
               <a:rPr lang="en-US" smtClean="0"/>
               <a:pPr/>
-              <a:t>5/8/2019</a:t>
+              <a:t>4/21/2020</a:t>
             </a:fld>
             <a:endParaRPr lang="en-US"/>
           </a:p>
@@ -2131,10 +2311,9 @@
           <a:lstStyle/>
           <a:p>
             <a:r>
-              <a:rPr lang="en-US" altLang="zh-CN"/>
-              <a:t>Summer 2019, ZJU</a:t>
-            </a:r>
-            <a:endParaRPr lang="en-US" altLang="zh-CN" dirty="0"/>
+              <a:rPr lang="en-US" altLang="zh-CN" dirty="0"/>
+              <a:t>ZJU 2020</a:t>
+            </a:r>
           </a:p>
         </p:txBody>
       </p:sp>
@@ -2180,7 +2359,7 @@
             <a:fld id="{A3E8E8DC-A926-074D-8C54-DA0784BE7FC6}" type="datetime1">
               <a:rPr lang="en-US" smtClean="0"/>
               <a:pPr/>
-              <a:t>5/8/2019</a:t>
+              <a:t>4/21/2020</a:t>
             </a:fld>
             <a:endParaRPr lang="en-US"/>
           </a:p>
@@ -2191,13 +2370,221 @@
   <p:clrMapOvr>
     <a:masterClrMapping/>
   </p:clrMapOvr>
-  <p:timing>
-    <p:tnLst>
-      <p:par>
-        <p:cTn id="1" dur="indefinite" restart="never" nodeType="tmRoot"/>
-      </p:par>
-    </p:tnLst>
-  </p:timing>
+</p:sld>
+</file>
+
+<file path=ppt/slides/slide10.xml><?xml version="1.0" encoding="utf-8"?>
+<p:sld xmlns:a="http://schemas.openxmlformats.org/drawingml/2006/main" xmlns:r="http://schemas.openxmlformats.org/officeDocument/2006/relationships" xmlns:p="http://schemas.openxmlformats.org/presentationml/2006/main">
+  <p:cSld>
+    <p:spTree>
+      <p:nvGrpSpPr>
+        <p:cNvPr id="1" name=""/>
+        <p:cNvGrpSpPr/>
+        <p:nvPr/>
+      </p:nvGrpSpPr>
+      <p:grpSpPr>
+        <a:xfrm>
+          <a:off x="0" y="0"/>
+          <a:ext cx="0" cy="0"/>
+          <a:chOff x="0" y="0"/>
+          <a:chExt cx="0" cy="0"/>
+        </a:xfrm>
+      </p:grpSpPr>
+      <p:sp>
+        <p:nvSpPr>
+          <p:cNvPr id="2" name="标题 1"/>
+          <p:cNvSpPr>
+            <a:spLocks noGrp="1"/>
+          </p:cNvSpPr>
+          <p:nvPr>
+            <p:ph type="title"/>
+          </p:nvPr>
+        </p:nvSpPr>
+        <p:spPr/>
+        <p:txBody>
+          <a:bodyPr/>
+          <a:lstStyle/>
+          <a:p>
+            <a:r>
+              <a:rPr lang="en-US" altLang="zh-CN" dirty="0"/>
+              <a:t>Teaching Method</a:t>
+            </a:r>
+            <a:endParaRPr lang="zh-CN" altLang="en-US" dirty="0"/>
+          </a:p>
+        </p:txBody>
+      </p:sp>
+      <p:sp>
+        <p:nvSpPr>
+          <p:cNvPr id="3" name="内容占位符 2"/>
+          <p:cNvSpPr>
+            <a:spLocks noGrp="1"/>
+          </p:cNvSpPr>
+          <p:nvPr>
+            <p:ph idx="1"/>
+          </p:nvPr>
+        </p:nvSpPr>
+        <p:spPr/>
+        <p:txBody>
+          <a:bodyPr>
+            <a:normAutofit/>
+          </a:bodyPr>
+          <a:lstStyle/>
+          <a:p>
+            <a:r>
+              <a:rPr lang="en-US" altLang="zh-CN" dirty="0"/>
+              <a:t>Reading of the discussed papers before class is encouraged, but not mandatory</a:t>
+            </a:r>
+          </a:p>
+          <a:p>
+            <a:r>
+              <a:rPr lang="en-US" altLang="zh-CN" dirty="0"/>
+              <a:t>I will sometimes play and discuss some videos in class, mainly talks from computer systems conferences from USENIX, ACM/IEEE</a:t>
+            </a:r>
+          </a:p>
+          <a:p>
+            <a:pPr lvl="1"/>
+            <a:r>
+              <a:rPr lang="en-US" altLang="zh-CN" dirty="0"/>
+              <a:t>The videos will be put online, along with the PPTs</a:t>
+            </a:r>
+          </a:p>
+        </p:txBody>
+      </p:sp>
+      <p:sp>
+        <p:nvSpPr>
+          <p:cNvPr id="4" name="日期占位符 3"/>
+          <p:cNvSpPr>
+            <a:spLocks noGrp="1"/>
+          </p:cNvSpPr>
+          <p:nvPr>
+            <p:ph type="dt" sz="half" idx="10"/>
+          </p:nvPr>
+        </p:nvSpPr>
+        <p:spPr/>
+        <p:txBody>
+          <a:bodyPr/>
+          <a:lstStyle/>
+          <a:p>
+            <a:fld id="{43978029-9DF7-7445-88EF-08A8BCC03D5B}" type="datetime1">
+              <a:rPr lang="en-US" smtClean="0"/>
+              <a:pPr/>
+              <a:t>4/21/2020</a:t>
+            </a:fld>
+            <a:endParaRPr lang="en-US"/>
+          </a:p>
+        </p:txBody>
+      </p:sp>
+      <p:sp>
+        <p:nvSpPr>
+          <p:cNvPr id="6" name="灯片编号占位符 5"/>
+          <p:cNvSpPr>
+            <a:spLocks noGrp="1"/>
+          </p:cNvSpPr>
+          <p:nvPr>
+            <p:ph type="sldNum" sz="quarter" idx="12"/>
+          </p:nvPr>
+        </p:nvSpPr>
+        <p:spPr/>
+        <p:txBody>
+          <a:bodyPr/>
+          <a:lstStyle/>
+          <a:p>
+            <a:fld id="{3CC63E4C-4642-794D-A2FD-70F6B81535F5}" type="slidenum">
+              <a:rPr lang="en-US" smtClean="0"/>
+              <a:pPr/>
+              <a:t>10</a:t>
+            </a:fld>
+            <a:endParaRPr lang="en-US"/>
+          </a:p>
+        </p:txBody>
+      </p:sp>
+    </p:spTree>
+    <p:extLst>
+      <p:ext uri="{BB962C8B-B14F-4D97-AF65-F5344CB8AC3E}">
+        <p14:creationId xmlns:p14="http://schemas.microsoft.com/office/powerpoint/2010/main" val="2172446924"/>
+      </p:ext>
+    </p:extLst>
+  </p:cSld>
+  <p:clrMapOvr>
+    <a:masterClrMapping/>
+  </p:clrMapOvr>
+</p:sld>
+</file>
+
+<file path=ppt/slides/slide11.xml><?xml version="1.0" encoding="utf-8"?>
+<p:sld xmlns:a="http://schemas.openxmlformats.org/drawingml/2006/main" xmlns:r="http://schemas.openxmlformats.org/officeDocument/2006/relationships" xmlns:p="http://schemas.openxmlformats.org/presentationml/2006/main">
+  <p:cSld>
+    <p:spTree>
+      <p:nvGrpSpPr>
+        <p:cNvPr id="1" name=""/>
+        <p:cNvGrpSpPr/>
+        <p:nvPr/>
+      </p:nvGrpSpPr>
+      <p:grpSpPr>
+        <a:xfrm>
+          <a:off x="0" y="0"/>
+          <a:ext cx="0" cy="0"/>
+          <a:chOff x="0" y="0"/>
+          <a:chExt cx="0" cy="0"/>
+        </a:xfrm>
+      </p:grpSpPr>
+      <p:sp>
+        <p:nvSpPr>
+          <p:cNvPr id="2" name="标题 1"/>
+          <p:cNvSpPr>
+            <a:spLocks noGrp="1"/>
+          </p:cNvSpPr>
+          <p:nvPr>
+            <p:ph type="title"/>
+          </p:nvPr>
+        </p:nvSpPr>
+        <p:spPr/>
+        <p:txBody>
+          <a:bodyPr/>
+          <a:lstStyle/>
+          <a:p>
+            <a:r>
+              <a:rPr lang="zh-CN" altLang="en-US" dirty="0"/>
+              <a:t>点名政策</a:t>
+            </a:r>
+          </a:p>
+        </p:txBody>
+      </p:sp>
+      <p:sp>
+        <p:nvSpPr>
+          <p:cNvPr id="3" name="内容占位符 2"/>
+          <p:cNvSpPr>
+            <a:spLocks noGrp="1"/>
+          </p:cNvSpPr>
+          <p:nvPr>
+            <p:ph idx="1"/>
+          </p:nvPr>
+        </p:nvSpPr>
+        <p:spPr/>
+        <p:txBody>
+          <a:bodyPr>
+            <a:normAutofit/>
+          </a:bodyPr>
+          <a:lstStyle/>
+          <a:p>
+            <a:r>
+              <a:rPr lang="zh-CN" altLang="en-US" sz="3600" dirty="0"/>
+              <a:t>不签到，不点名，可以课下看视频。上课问回答不计分。</a:t>
+            </a:r>
+            <a:endParaRPr lang="en-US" altLang="zh-CN" sz="3600" dirty="0"/>
+          </a:p>
+        </p:txBody>
+      </p:sp>
+    </p:spTree>
+    <p:extLst>
+      <p:ext uri="{BB962C8B-B14F-4D97-AF65-F5344CB8AC3E}">
+        <p14:creationId xmlns:p14="http://schemas.microsoft.com/office/powerpoint/2010/main" val="1432349484"/>
+      </p:ext>
+    </p:extLst>
+  </p:cSld>
+  <p:clrMapOvr>
+    <a:masterClrMapping/>
+  </p:clrMapOvr>
 </p:sld>
 </file>
 
@@ -2220,7 +2607,13 @@
       </p:grpSpPr>
       <p:sp>
         <p:nvSpPr>
-          <p:cNvPr id="2" name="Title 1"/>
+          <p:cNvPr id="2" name="Title 1">
+            <a:extLst>
+              <a:ext uri="{FF2B5EF4-FFF2-40B4-BE49-F238E27FC236}">
+                <a16:creationId xmlns:a16="http://schemas.microsoft.com/office/drawing/2014/main" id="{0B5DD00F-0C1D-4C08-B281-6904220C0B00}"/>
+              </a:ext>
+            </a:extLst>
+          </p:cNvPr>
           <p:cNvSpPr>
             <a:spLocks noGrp="1"/>
           </p:cNvSpPr>
@@ -2234,20 +2627,99 @@
           <a:lstStyle/>
           <a:p>
             <a:r>
-              <a:rPr lang="en-US" dirty="0"/>
+              <a:rPr lang="en-US" altLang="zh-CN" dirty="0"/>
               <a:t>Logistics</a:t>
             </a:r>
-          </a:p>
-        </p:txBody>
-      </p:sp>
-      <p:sp>
-        <p:nvSpPr>
-          <p:cNvPr id="4" name="Date Placeholder 3"/>
-          <p:cNvSpPr>
-            <a:spLocks noGrp="1"/>
-          </p:cNvSpPr>
-          <p:nvPr>
-            <p:ph type="dt" sz="half" idx="10"/>
+            <a:endParaRPr lang="en-SE" dirty="0"/>
+          </a:p>
+        </p:txBody>
+      </p:sp>
+      <p:sp>
+        <p:nvSpPr>
+          <p:cNvPr id="3" name="Content Placeholder 2">
+            <a:extLst>
+              <a:ext uri="{FF2B5EF4-FFF2-40B4-BE49-F238E27FC236}">
+                <a16:creationId xmlns:a16="http://schemas.microsoft.com/office/drawing/2014/main" id="{14876F30-1B02-4DF8-AFD0-0E8207E75229}"/>
+              </a:ext>
+            </a:extLst>
+          </p:cNvPr>
+          <p:cNvSpPr>
+            <a:spLocks noGrp="1"/>
+          </p:cNvSpPr>
+          <p:nvPr>
+            <p:ph idx="1"/>
+          </p:nvPr>
+        </p:nvSpPr>
+        <p:spPr>
+          <a:xfrm>
+            <a:off x="457200" y="1600201"/>
+            <a:ext cx="8229600" cy="1828800"/>
+          </a:xfrm>
+        </p:spPr>
+        <p:txBody>
+          <a:bodyPr>
+            <a:normAutofit fontScale="92500" lnSpcReduction="20000"/>
+          </a:bodyPr>
+          <a:lstStyle/>
+          <a:p>
+            <a:r>
+              <a:rPr lang="en-US" altLang="zh-CN" dirty="0"/>
+              <a:t>Wed 7-10 (14:05–17:30)</a:t>
+            </a:r>
+          </a:p>
+          <a:p>
+            <a:r>
+              <a:rPr lang="en-US" altLang="zh-CN" dirty="0"/>
+              <a:t>Website for PPTs : </a:t>
+            </a:r>
+            <a:r>
+              <a:rPr lang="en-US" dirty="0">
+                <a:hlinkClick r:id="rId3"/>
+              </a:rPr>
+              <a:t>h</a:t>
+            </a:r>
+            <a:r>
+              <a:rPr lang="en-US" dirty="0">
+                <a:hlinkClick r:id="rId3"/>
+              </a:rPr>
+              <a:t>ttps://gulaoshi.github.io/AdvOS/</a:t>
+            </a:r>
+            <a:r>
+              <a:rPr lang="en-US" dirty="0"/>
+              <a:t> </a:t>
+            </a:r>
+          </a:p>
+          <a:p>
+            <a:pPr lvl="1"/>
+            <a:r>
+              <a:rPr lang="en-US" altLang="zh-CN" dirty="0"/>
+              <a:t>Lecture schedule is subject </a:t>
+            </a:r>
+            <a:r>
+              <a:rPr lang="en-US" altLang="zh-CN"/>
+              <a:t>to change.</a:t>
+            </a:r>
+            <a:endParaRPr lang="zh-CN" altLang="zh-CN" dirty="0"/>
+          </a:p>
+          <a:p>
+            <a:endParaRPr lang="en-SE" dirty="0"/>
+          </a:p>
+        </p:txBody>
+      </p:sp>
+      <p:sp>
+        <p:nvSpPr>
+          <p:cNvPr id="4" name="Slide Number Placeholder 3">
+            <a:extLst>
+              <a:ext uri="{FF2B5EF4-FFF2-40B4-BE49-F238E27FC236}">
+                <a16:creationId xmlns:a16="http://schemas.microsoft.com/office/drawing/2014/main" id="{26B928CA-897B-460D-A91D-E8FDF5A12443}"/>
+              </a:ext>
+            </a:extLst>
+          </p:cNvPr>
+          <p:cNvSpPr>
+            <a:spLocks noGrp="1"/>
+          </p:cNvSpPr>
+          <p:nvPr>
+            <p:ph type="sldNum" sz="quarter" idx="12"/>
           </p:nvPr>
         </p:nvSpPr>
         <p:spPr/>
@@ -2255,151 +2727,60 @@
           <a:bodyPr/>
           <a:lstStyle/>
           <a:p>
-            <a:fld id="{BC4249DB-D0B0-B641-B46A-5387839C1F14}" type="datetime1">
-              <a:rPr lang="en-US" smtClean="0"/>
-              <a:pPr/>
-              <a:t>5/8/2019</a:t>
-            </a:fld>
-            <a:endParaRPr lang="en-US"/>
-          </a:p>
-        </p:txBody>
-      </p:sp>
-      <p:sp>
-        <p:nvSpPr>
-          <p:cNvPr id="6" name="Slide Number Placeholder 5"/>
-          <p:cNvSpPr>
-            <a:spLocks noGrp="1"/>
-          </p:cNvSpPr>
-          <p:nvPr>
-            <p:ph type="sldNum" sz="quarter" idx="12"/>
-          </p:nvPr>
-        </p:nvSpPr>
-        <p:spPr/>
-        <p:txBody>
-          <a:bodyPr/>
-          <a:lstStyle/>
-          <a:p>
-            <a:fld id="{3CC63E4C-4642-794D-A2FD-70F6B81535F5}" type="slidenum">
-              <a:rPr lang="en-US" smtClean="0"/>
-              <a:pPr/>
+            <a:pPr>
+              <a:defRPr/>
+            </a:pPr>
+            <a:fld id="{F57F456A-00AF-44E6-8D70-638C0D0130FF}" type="slidenum">
+              <a:rPr lang="en-US" altLang="zh-CN" smtClean="0"/>
+              <a:pPr>
+                <a:defRPr/>
+              </a:pPr>
               <a:t>2</a:t>
             </a:fld>
-            <a:endParaRPr lang="en-US"/>
-          </a:p>
-        </p:txBody>
-      </p:sp>
-      <p:sp>
-        <p:nvSpPr>
-          <p:cNvPr id="7" name="Content Placeholder 2"/>
-          <p:cNvSpPr txBox="1">
-            <a:spLocks/>
-          </p:cNvSpPr>
+            <a:endParaRPr lang="en-US" altLang="zh-CN"/>
+          </a:p>
+        </p:txBody>
+      </p:sp>
+      <p:pic>
+        <p:nvPicPr>
+          <p:cNvPr id="6" name="Picture 5">
+            <a:extLst>
+              <a:ext uri="{FF2B5EF4-FFF2-40B4-BE49-F238E27FC236}">
+                <a16:creationId xmlns:a16="http://schemas.microsoft.com/office/drawing/2014/main" id="{5A3F508F-BD48-486F-A485-448F3D7FE741}"/>
+              </a:ext>
+            </a:extLst>
+          </p:cNvPr>
+          <p:cNvPicPr>
+            <a:picLocks noChangeAspect="1"/>
+          </p:cNvPicPr>
           <p:nvPr/>
-        </p:nvSpPr>
+        </p:nvPicPr>
+        <p:blipFill>
+          <a:blip r:embed="rId4"/>
+          <a:stretch>
+            <a:fillRect/>
+          </a:stretch>
+        </p:blipFill>
         <p:spPr>
           <a:xfrm>
-            <a:off x="444500" y="1219200"/>
-            <a:ext cx="8394700" cy="5638800"/>
+            <a:off x="2052286" y="3429000"/>
+            <a:ext cx="5039428" cy="3343742"/>
           </a:xfrm>
           <a:prstGeom prst="rect">
             <a:avLst/>
           </a:prstGeom>
         </p:spPr>
-        <p:txBody>
-          <a:bodyPr vert="horz" lIns="91440" tIns="45720" rIns="91440" bIns="45720" rtlCol="0">
-            <a:normAutofit/>
-          </a:bodyPr>
-          <a:lstStyle/>
-          <a:p>
-            <a:r>
-              <a:rPr lang="en-US" sz="3200" dirty="0"/>
-              <a:t>Time: </a:t>
-            </a:r>
-            <a:r>
-              <a:rPr lang="en-US" altLang="zh-CN" sz="3200" dirty="0"/>
-              <a:t>Wed classes 7-10 (</a:t>
-            </a:r>
-            <a:r>
-              <a:rPr lang="en-US" sz="3200" dirty="0"/>
-              <a:t>14:05—14:50, 14:55—15:40, 15:55—16:40, 16:45—17:30)</a:t>
-            </a:r>
-          </a:p>
-          <a:p>
-            <a:r>
-              <a:rPr lang="en-US" sz="3200" dirty="0"/>
-              <a:t>Location: Cao </a:t>
-            </a:r>
-            <a:r>
-              <a:rPr lang="en-US" sz="3200" dirty="0" err="1"/>
-              <a:t>Guangbiao</a:t>
-            </a:r>
-            <a:r>
-              <a:rPr lang="en-US" sz="3200" dirty="0"/>
-              <a:t> </a:t>
-            </a:r>
-            <a:r>
-              <a:rPr lang="en-US" altLang="zh-CN" sz="3200" dirty="0"/>
-              <a:t>West</a:t>
-            </a:r>
-            <a:r>
-              <a:rPr lang="en-US" sz="3200" dirty="0"/>
-              <a:t> Building 205</a:t>
-            </a:r>
-          </a:p>
-          <a:p>
-            <a:r>
-              <a:rPr lang="en-US" sz="3200" dirty="0"/>
-              <a:t>Email: 59331972@qq.com</a:t>
-            </a:r>
-          </a:p>
-          <a:p>
-            <a:r>
-              <a:rPr lang="en-US" altLang="zh-CN" sz="3200" dirty="0">
-                <a:solidFill>
-                  <a:srgbClr val="FF0000"/>
-                </a:solidFill>
-              </a:rPr>
-              <a:t>QQ Group</a:t>
-            </a:r>
-            <a:r>
-              <a:rPr lang="en-US" sz="3200" dirty="0">
-                <a:solidFill>
-                  <a:srgbClr val="FF0000"/>
-                </a:solidFill>
-              </a:rPr>
-              <a:t>: 643173479</a:t>
-            </a:r>
-          </a:p>
-          <a:p>
-            <a:r>
-              <a:rPr lang="en-US" sz="3200" dirty="0"/>
-              <a:t>Website: </a:t>
-            </a:r>
-            <a:r>
-              <a:rPr lang="en-US" sz="3200" dirty="0">
-                <a:hlinkClick r:id="rId2"/>
-              </a:rPr>
-              <a:t>https://gulaoshi.github.io/AdvOS/</a:t>
-            </a:r>
-            <a:r>
-              <a:rPr lang="en-US" sz="3200" dirty="0"/>
-              <a:t> </a:t>
-            </a:r>
-          </a:p>
-        </p:txBody>
-      </p:sp>
+      </p:pic>
     </p:spTree>
+    <p:extLst>
+      <p:ext uri="{BB962C8B-B14F-4D97-AF65-F5344CB8AC3E}">
+        <p14:creationId xmlns:p14="http://schemas.microsoft.com/office/powerpoint/2010/main" val="1911077024"/>
+      </p:ext>
+    </p:extLst>
   </p:cSld>
   <p:clrMapOvr>
     <a:masterClrMapping/>
   </p:clrMapOvr>
-  <p:timing>
-    <p:tnLst>
-      <p:par>
-        <p:cTn id="1" dur="indefinite" restart="never" nodeType="tmRoot"/>
-      </p:par>
-    </p:tnLst>
-  </p:timing>
 </p:sld>
 </file>
 
@@ -2425,7 +2806,7 @@
           <p:cNvPr id="2" name="标题 1">
             <a:extLst>
               <a:ext uri="{FF2B5EF4-FFF2-40B4-BE49-F238E27FC236}">
-                <a16:creationId xmlns:a16="http://schemas.microsoft.com/office/drawing/2014/main" xmlns="" id="{BE7B297B-7052-40C9-9B51-B0A634700D6F}"/>
+                <a16:creationId xmlns:a16="http://schemas.microsoft.com/office/drawing/2014/main" id="{BE7B297B-7052-40C9-9B51-B0A634700D6F}"/>
               </a:ext>
             </a:extLst>
           </p:cNvPr>
@@ -2454,7 +2835,7 @@
           <p:cNvPr id="3" name="内容占位符 2">
             <a:extLst>
               <a:ext uri="{FF2B5EF4-FFF2-40B4-BE49-F238E27FC236}">
-                <a16:creationId xmlns:a16="http://schemas.microsoft.com/office/drawing/2014/main" xmlns="" id="{2BD8C6E6-27F0-4894-BF92-B1848A1C2682}"/>
+                <a16:creationId xmlns:a16="http://schemas.microsoft.com/office/drawing/2014/main" id="{2BD8C6E6-27F0-4894-BF92-B1848A1C2682}"/>
               </a:ext>
             </a:extLst>
           </p:cNvPr>
@@ -2465,7 +2846,12 @@
             <p:ph idx="1"/>
           </p:nvPr>
         </p:nvSpPr>
-        <p:spPr/>
+        <p:spPr>
+          <a:xfrm>
+            <a:off x="457200" y="1600200"/>
+            <a:ext cx="8229600" cy="4756150"/>
+          </a:xfrm>
+        </p:spPr>
         <p:txBody>
           <a:bodyPr>
             <a:normAutofit fontScale="70000" lnSpcReduction="20000"/>
@@ -2486,7 +2872,31 @@
           <a:p>
             <a:r>
               <a:rPr lang="en-US" altLang="zh-CN" dirty="0"/>
-              <a:t>This course also takes a broad view of the systems area, instead of the narrow view of a specific OS, e.g., Linux</a:t>
+              <a:t>This course also takes a </a:t>
+            </a:r>
+            <a:r>
+              <a:rPr lang="en-US" altLang="zh-CN" i="1" dirty="0"/>
+              <a:t>broad</a:t>
+            </a:r>
+            <a:r>
+              <a:rPr lang="en-US" altLang="zh-CN" dirty="0"/>
+              <a:t> view </a:t>
+            </a:r>
+            <a:r>
+              <a:rPr lang="en-US" altLang="zh-CN" i="1" dirty="0"/>
+              <a:t>of the systems area</a:t>
+            </a:r>
+            <a:r>
+              <a:rPr lang="en-US" altLang="zh-CN" dirty="0"/>
+              <a:t>, instead of the </a:t>
+            </a:r>
+            <a:r>
+              <a:rPr lang="en-US" altLang="zh-CN" i="1" dirty="0"/>
+              <a:t>narrow</a:t>
+            </a:r>
+            <a:r>
+              <a:rPr lang="en-US" altLang="zh-CN" dirty="0"/>
+              <a:t> view of a specific OS, e.g., Linux</a:t>
             </a:r>
           </a:p>
           <a:p>
@@ -2499,7 +2909,7 @@
           <p:cNvPr id="4" name="日期占位符 3">
             <a:extLst>
               <a:ext uri="{FF2B5EF4-FFF2-40B4-BE49-F238E27FC236}">
-                <a16:creationId xmlns:a16="http://schemas.microsoft.com/office/drawing/2014/main" xmlns="" id="{3EC252E9-696F-4EFB-BCB0-F82FB4F20F9F}"/>
+                <a16:creationId xmlns:a16="http://schemas.microsoft.com/office/drawing/2014/main" id="{3EC252E9-696F-4EFB-BCB0-F82FB4F20F9F}"/>
               </a:ext>
             </a:extLst>
           </p:cNvPr>
@@ -2518,7 +2928,7 @@
             <a:fld id="{43978029-9DF7-7445-88EF-08A8BCC03D5B}" type="datetime1">
               <a:rPr lang="en-US" smtClean="0"/>
               <a:pPr/>
-              <a:t>5/8/2019</a:t>
+              <a:t>4/21/2020</a:t>
             </a:fld>
             <a:endParaRPr lang="en-US"/>
           </a:p>
@@ -2529,7 +2939,7 @@
           <p:cNvPr id="5" name="灯片编号占位符 4">
             <a:extLst>
               <a:ext uri="{FF2B5EF4-FFF2-40B4-BE49-F238E27FC236}">
-                <a16:creationId xmlns:a16="http://schemas.microsoft.com/office/drawing/2014/main" xmlns="" id="{727F38BA-6F4F-4E9A-9A20-CDF45B875684}"/>
+                <a16:creationId xmlns:a16="http://schemas.microsoft.com/office/drawing/2014/main" id="{727F38BA-6F4F-4E9A-9A20-CDF45B875684}"/>
               </a:ext>
             </a:extLst>
           </p:cNvPr>
@@ -2557,20 +2967,13 @@
     </p:spTree>
     <p:extLst>
       <p:ext uri="{BB962C8B-B14F-4D97-AF65-F5344CB8AC3E}">
-        <p14:creationId xmlns:p14="http://schemas.microsoft.com/office/powerpoint/2010/main" xmlns="" val="3561149611"/>
+        <p14:creationId xmlns:p14="http://schemas.microsoft.com/office/powerpoint/2010/main" val="3561149611"/>
       </p:ext>
     </p:extLst>
   </p:cSld>
   <p:clrMapOvr>
     <a:masterClrMapping/>
   </p:clrMapOvr>
-  <p:timing>
-    <p:tnLst>
-      <p:par>
-        <p:cTn id="1" dur="indefinite" restart="never" nodeType="tmRoot"/>
-      </p:par>
-    </p:tnLst>
-  </p:timing>
 </p:sld>
 </file>
 
@@ -2685,7 +3088,7 @@
           <a:p>
             <a:r>
               <a:rPr lang="en-US" altLang="zh-CN" dirty="0"/>
-              <a:t>The course objective is to give a broad overview of the state of the art, instead of digging deep into any specific topic.</a:t>
+              <a:t>The course objective is to give a broad overview of the state-of-the-art research advances, instead of digging deep into any classic topics.</a:t>
             </a:r>
           </a:p>
           <a:p>
@@ -2714,7 +3117,7 @@
             <a:fld id="{43978029-9DF7-7445-88EF-08A8BCC03D5B}" type="datetime1">
               <a:rPr lang="en-US" smtClean="0"/>
               <a:pPr/>
-              <a:t>5/8/2019</a:t>
+              <a:t>4/21/2020</a:t>
             </a:fld>
             <a:endParaRPr lang="en-US"/>
           </a:p>
@@ -2747,20 +3150,13 @@
     </p:spTree>
     <p:extLst>
       <p:ext uri="{BB962C8B-B14F-4D97-AF65-F5344CB8AC3E}">
-        <p14:creationId xmlns:p14="http://schemas.microsoft.com/office/powerpoint/2010/main" xmlns="" val="628939610"/>
+        <p14:creationId xmlns:p14="http://schemas.microsoft.com/office/powerpoint/2010/main" val="628939610"/>
       </p:ext>
     </p:extLst>
   </p:cSld>
   <p:clrMapOvr>
     <a:masterClrMapping/>
   </p:clrMapOvr>
-  <p:timing>
-    <p:tnLst>
-      <p:par>
-        <p:cTn id="1" dur="indefinite" restart="never" nodeType="tmRoot"/>
-      </p:par>
-    </p:tnLst>
-  </p:timing>
 </p:sld>
 </file>
 
@@ -2814,131 +3210,26 @@
             <p:ph idx="1"/>
           </p:nvPr>
         </p:nvSpPr>
-        <p:spPr>
-          <a:xfrm>
-            <a:off x="457199" y="1340428"/>
-            <a:ext cx="8343901" cy="5122717"/>
-          </a:xfrm>
-        </p:spPr>
+        <p:spPr/>
         <p:txBody>
           <a:bodyPr>
-            <a:normAutofit fontScale="77500" lnSpcReduction="20000"/>
+            <a:normAutofit/>
           </a:bodyPr>
           <a:lstStyle/>
           <a:p>
             <a:r>
               <a:rPr lang="en-US" altLang="zh-CN" dirty="0"/>
-              <a:t>Final Exam: 50%</a:t>
-            </a:r>
-          </a:p>
-          <a:p>
-            <a:pPr lvl="1"/>
-            <a:r>
-              <a:rPr lang="en-US" altLang="zh-CN" dirty="0"/>
-              <a:t>Covers PPTs on the website; does not include the papers and videos</a:t>
-            </a:r>
-          </a:p>
-          <a:p>
-            <a:pPr lvl="1"/>
-            <a:r>
-              <a:rPr lang="en-US" altLang="zh-CN" dirty="0"/>
-              <a:t>It consists of multiple-choice, single-answer questions. The exam is open-book</a:t>
-            </a:r>
-          </a:p>
-          <a:p>
-            <a:r>
-              <a:rPr lang="en-US" altLang="zh-CN" dirty="0"/>
-              <a:t>Project: 50%</a:t>
-            </a:r>
-          </a:p>
-          <a:p>
-            <a:pPr lvl="1"/>
-            <a:r>
-              <a:rPr lang="en-US" altLang="zh-CN" dirty="0"/>
-              <a:t>Each group of 1-3 students</a:t>
-            </a:r>
-          </a:p>
-          <a:p>
-            <a:pPr lvl="1"/>
-            <a:r>
-              <a:rPr lang="en-US" altLang="zh-CN" dirty="0"/>
-              <a:t>You can propose your own project idea </a:t>
-            </a:r>
-          </a:p>
-          <a:p>
-            <a:pPr lvl="2"/>
-            <a:r>
-              <a:rPr lang="en-US" altLang="zh-CN" dirty="0"/>
-              <a:t>Can be a survey of a specific topic</a:t>
-            </a:r>
-          </a:p>
-          <a:p>
-            <a:pPr lvl="2"/>
-            <a:r>
-              <a:rPr lang="en-US" altLang="zh-CN" dirty="0"/>
-              <a:t>Can be based on your own research </a:t>
-            </a:r>
-            <a:r>
-              <a:rPr lang="en-US" altLang="zh-CN" dirty="0" smtClean="0"/>
-              <a:t>topic</a:t>
-            </a:r>
-          </a:p>
-          <a:p>
-            <a:pPr lvl="1"/>
-            <a:r>
-              <a:rPr lang="en-US" altLang="zh-CN" dirty="0" smtClean="0"/>
-              <a:t>Project proposal due 05/22 </a:t>
-            </a:r>
-            <a:r>
-              <a:rPr lang="en-US" altLang="zh-CN" smtClean="0"/>
-              <a:t>by email to 59331972@qq.com.</a:t>
-            </a:r>
+              <a:t>Final Exam: 50%; Project: 50%</a:t>
+            </a:r>
+          </a:p>
+          <a:p>
+            <a:endParaRPr lang="en-SE" dirty="0"/>
+          </a:p>
+          <a:p>
             <a:endParaRPr lang="en-US" altLang="zh-CN" dirty="0"/>
           </a:p>
           <a:p>
-            <a:pPr lvl="1"/>
-            <a:r>
-              <a:rPr lang="en-US" altLang="zh-CN" dirty="0"/>
-              <a:t>Project report is due 07-04 (last day of exam week). Minimum 4 pages, in English or Chinese. Do not send me source code.</a:t>
-            </a:r>
-          </a:p>
-          <a:p>
-            <a:pPr lvl="1"/>
-            <a:r>
-              <a:rPr lang="en-US" altLang="zh-CN" dirty="0"/>
-              <a:t>Most students get full 50 points </a:t>
-            </a:r>
-            <a:r>
-              <a:rPr lang="en-US" altLang="zh-CN" dirty="0">
-                <a:sym typeface="Wingdings" panose="05000000000000000000" pitchFamily="2" charset="2"/>
-              </a:rPr>
-              <a:t></a:t>
-            </a:r>
             <a:endParaRPr lang="en-US" altLang="zh-CN" dirty="0"/>
-          </a:p>
-        </p:txBody>
-      </p:sp>
-      <p:sp>
-        <p:nvSpPr>
-          <p:cNvPr id="4" name="日期占位符 3"/>
-          <p:cNvSpPr>
-            <a:spLocks noGrp="1"/>
-          </p:cNvSpPr>
-          <p:nvPr>
-            <p:ph type="dt" sz="half" idx="10"/>
-          </p:nvPr>
-        </p:nvSpPr>
-        <p:spPr/>
-        <p:txBody>
-          <a:bodyPr/>
-          <a:lstStyle/>
-          <a:p>
-            <a:fld id="{43978029-9DF7-7445-88EF-08A8BCC03D5B}" type="datetime1">
-              <a:rPr lang="en-US" smtClean="0"/>
-              <a:pPr/>
-              <a:t>5/8/2019</a:t>
-            </a:fld>
-            <a:endParaRPr lang="en-US"/>
           </a:p>
         </p:txBody>
       </p:sp>
@@ -2969,20 +3260,13 @@
     </p:spTree>
     <p:extLst>
       <p:ext uri="{BB962C8B-B14F-4D97-AF65-F5344CB8AC3E}">
-        <p14:creationId xmlns:p14="http://schemas.microsoft.com/office/powerpoint/2010/main" xmlns="" val="3157842184"/>
+        <p14:creationId xmlns:p14="http://schemas.microsoft.com/office/powerpoint/2010/main" val="3675964577"/>
       </p:ext>
     </p:extLst>
   </p:cSld>
   <p:clrMapOvr>
     <a:masterClrMapping/>
   </p:clrMapOvr>
-  <p:timing>
-    <p:tnLst>
-      <p:par>
-        <p:cTn id="1" dur="indefinite" restart="never" nodeType="tmRoot"/>
-      </p:par>
-    </p:tnLst>
-  </p:timing>
 </p:sld>
 </file>
 
@@ -3005,35 +3289,18 @@
       </p:grpSpPr>
       <p:sp>
         <p:nvSpPr>
-          <p:cNvPr id="2" name="标题 1"/>
+          <p:cNvPr id="2" name="Title 1">
+            <a:extLst>
+              <a:ext uri="{FF2B5EF4-FFF2-40B4-BE49-F238E27FC236}">
+                <a16:creationId xmlns:a16="http://schemas.microsoft.com/office/drawing/2014/main" id="{5DA4411D-27E3-4815-81B4-61767DDEB33E}"/>
+              </a:ext>
+            </a:extLst>
+          </p:cNvPr>
           <p:cNvSpPr>
             <a:spLocks noGrp="1"/>
           </p:cNvSpPr>
           <p:nvPr>
             <p:ph type="title"/>
-          </p:nvPr>
-        </p:nvSpPr>
-        <p:spPr/>
-        <p:txBody>
-          <a:bodyPr/>
-          <a:lstStyle/>
-          <a:p>
-            <a:r>
-              <a:rPr lang="en-US" altLang="zh-CN" dirty="0"/>
-              <a:t>Teaching Method</a:t>
-            </a:r>
-            <a:endParaRPr lang="zh-CN" altLang="en-US" dirty="0"/>
-          </a:p>
-        </p:txBody>
-      </p:sp>
-      <p:sp>
-        <p:nvSpPr>
-          <p:cNvPr id="3" name="内容占位符 2"/>
-          <p:cNvSpPr>
-            <a:spLocks noGrp="1"/>
-          </p:cNvSpPr>
-          <p:nvPr>
-            <p:ph idx="1"/>
           </p:nvPr>
         </p:nvSpPr>
         <p:spPr/>
@@ -3045,27 +3312,58 @@
           <a:p>
             <a:r>
               <a:rPr lang="en-US" altLang="zh-CN" dirty="0"/>
-              <a:t>Reading of the discussed papers before class is encouraged, but not mandatory</a:t>
-            </a:r>
-          </a:p>
+              <a:t>Final Exam</a:t>
+            </a:r>
+            <a:endParaRPr lang="en-SE" dirty="0"/>
+          </a:p>
+        </p:txBody>
+      </p:sp>
+      <p:sp>
+        <p:nvSpPr>
+          <p:cNvPr id="3" name="Content Placeholder 2">
+            <a:extLst>
+              <a:ext uri="{FF2B5EF4-FFF2-40B4-BE49-F238E27FC236}">
+                <a16:creationId xmlns:a16="http://schemas.microsoft.com/office/drawing/2014/main" id="{4AA0CE0A-3997-48BB-9F95-AF9EBDC6DD46}"/>
+              </a:ext>
+            </a:extLst>
+          </p:cNvPr>
+          <p:cNvSpPr>
+            <a:spLocks noGrp="1"/>
+          </p:cNvSpPr>
+          <p:nvPr>
+            <p:ph idx="1"/>
+          </p:nvPr>
+        </p:nvSpPr>
+        <p:spPr/>
+        <p:txBody>
+          <a:bodyPr/>
+          <a:lstStyle/>
           <a:p>
             <a:r>
               <a:rPr lang="en-US" altLang="zh-CN" dirty="0"/>
-              <a:t>I will sometimes play and discuss some videos in class, mainly talks from computer systems conferences from USENIX, ACM/IEEE</a:t>
-            </a:r>
-          </a:p>
-          <a:p>
-            <a:pPr lvl="1"/>
+              <a:t>Covers PPTs on the website; does not include the papers and videos.</a:t>
+            </a:r>
+          </a:p>
+          <a:p>
             <a:r>
               <a:rPr lang="en-US" altLang="zh-CN" dirty="0"/>
-              <a:t>The videos will be put online, along with the slides</a:t>
-            </a:r>
-          </a:p>
-        </p:txBody>
-      </p:sp>
-      <p:sp>
-        <p:nvSpPr>
-          <p:cNvPr id="4" name="日期占位符 3"/>
+              <a:t>Consists of multiple-choice, single-answer questions. The exam is open-book.</a:t>
+            </a:r>
+          </a:p>
+          <a:p>
+            <a:endParaRPr lang="en-SE" dirty="0"/>
+          </a:p>
+        </p:txBody>
+      </p:sp>
+      <p:sp>
+        <p:nvSpPr>
+          <p:cNvPr id="4" name="Date Placeholder 3">
+            <a:extLst>
+              <a:ext uri="{FF2B5EF4-FFF2-40B4-BE49-F238E27FC236}">
+                <a16:creationId xmlns:a16="http://schemas.microsoft.com/office/drawing/2014/main" id="{D2A96225-2C53-40DA-8BEE-FB322B9516CC}"/>
+              </a:ext>
+            </a:extLst>
+          </p:cNvPr>
           <p:cNvSpPr>
             <a:spLocks noGrp="1"/>
           </p:cNvSpPr>
@@ -3081,7 +3379,7 @@
             <a:fld id="{43978029-9DF7-7445-88EF-08A8BCC03D5B}" type="datetime1">
               <a:rPr lang="en-US" smtClean="0"/>
               <a:pPr/>
-              <a:t>5/8/2019</a:t>
+              <a:t>4/21/2020</a:t>
             </a:fld>
             <a:endParaRPr lang="en-US"/>
           </a:p>
@@ -3089,7 +3387,13 @@
       </p:sp>
       <p:sp>
         <p:nvSpPr>
-          <p:cNvPr id="6" name="灯片编号占位符 5"/>
+          <p:cNvPr id="5" name="Slide Number Placeholder 4">
+            <a:extLst>
+              <a:ext uri="{FF2B5EF4-FFF2-40B4-BE49-F238E27FC236}">
+                <a16:creationId xmlns:a16="http://schemas.microsoft.com/office/drawing/2014/main" id="{E712CA11-117B-4C08-B00A-7EA80664168B}"/>
+              </a:ext>
+            </a:extLst>
+          </p:cNvPr>
           <p:cNvSpPr>
             <a:spLocks noGrp="1"/>
           </p:cNvSpPr>
@@ -3114,20 +3418,13 @@
     </p:spTree>
     <p:extLst>
       <p:ext uri="{BB962C8B-B14F-4D97-AF65-F5344CB8AC3E}">
-        <p14:creationId xmlns:p14="http://schemas.microsoft.com/office/powerpoint/2010/main" xmlns="" val="2172446924"/>
+        <p14:creationId xmlns:p14="http://schemas.microsoft.com/office/powerpoint/2010/main" val="2357381939"/>
       </p:ext>
     </p:extLst>
   </p:cSld>
   <p:clrMapOvr>
     <a:masterClrMapping/>
   </p:clrMapOvr>
-  <p:timing>
-    <p:tnLst>
-      <p:par>
-        <p:cTn id="1" dur="indefinite" restart="never" nodeType="tmRoot"/>
-      </p:par>
-    </p:tnLst>
-  </p:timing>
 </p:sld>
 </file>
 
@@ -3150,7 +3447,13 @@
       </p:grpSpPr>
       <p:sp>
         <p:nvSpPr>
-          <p:cNvPr id="2" name="标题 1"/>
+          <p:cNvPr id="2" name="Title 1">
+            <a:extLst>
+              <a:ext uri="{FF2B5EF4-FFF2-40B4-BE49-F238E27FC236}">
+                <a16:creationId xmlns:a16="http://schemas.microsoft.com/office/drawing/2014/main" id="{0D337D74-B5BF-41EF-9A72-2EB61AAA1919}"/>
+              </a:ext>
+            </a:extLst>
+          </p:cNvPr>
           <p:cNvSpPr>
             <a:spLocks noGrp="1"/>
           </p:cNvSpPr>
@@ -3164,15 +3467,22 @@
           <a:lstStyle/>
           <a:p>
             <a:r>
-              <a:rPr lang="zh-CN" altLang="en-US" dirty="0"/>
-              <a:t>点名政策</a:t>
-            </a:r>
-          </a:p>
-        </p:txBody>
-      </p:sp>
-      <p:sp>
-        <p:nvSpPr>
-          <p:cNvPr id="3" name="内容占位符 2"/>
+              <a:rPr lang="en-US" dirty="0"/>
+              <a:t>Sample Questions</a:t>
+            </a:r>
+            <a:endParaRPr lang="en-SE" dirty="0"/>
+          </a:p>
+        </p:txBody>
+      </p:sp>
+      <p:sp>
+        <p:nvSpPr>
+          <p:cNvPr id="3" name="Content Placeholder 2">
+            <a:extLst>
+              <a:ext uri="{FF2B5EF4-FFF2-40B4-BE49-F238E27FC236}">
+                <a16:creationId xmlns:a16="http://schemas.microsoft.com/office/drawing/2014/main" id="{822C51D6-CFCF-4600-AD37-A93E4BC91FE9}"/>
+              </a:ext>
+            </a:extLst>
+          </p:cNvPr>
           <p:cNvSpPr>
             <a:spLocks noGrp="1"/>
           </p:cNvSpPr>
@@ -3180,47 +3490,996 @@
             <p:ph idx="1"/>
           </p:nvPr>
         </p:nvSpPr>
+        <p:spPr>
+          <a:xfrm>
+            <a:off x="457200" y="1463675"/>
+            <a:ext cx="8229600" cy="5257800"/>
+          </a:xfrm>
+        </p:spPr>
+        <p:txBody>
+          <a:bodyPr>
+            <a:normAutofit fontScale="32500" lnSpcReduction="20000"/>
+          </a:bodyPr>
+          <a:lstStyle/>
+          <a:p>
+            <a:r>
+              <a:rPr lang="en-US" dirty="0"/>
+              <a:t>According to [David13] "Everything You Always Wanted to Know About Synchronization but Were Afraid to As", what is the main source of scalability problems in multicore synchronization?</a:t>
+            </a:r>
+          </a:p>
+          <a:p>
+            <a:r>
+              <a:rPr lang="en-US" dirty="0"/>
+              <a:t>A. Hardware</a:t>
+            </a:r>
+          </a:p>
+          <a:p>
+            <a:r>
+              <a:rPr lang="en-US" dirty="0"/>
+              <a:t>B. Software</a:t>
+            </a:r>
+          </a:p>
+          <a:p>
+            <a:r>
+              <a:rPr lang="en-US" dirty="0"/>
+              <a:t>C. Middleware</a:t>
+            </a:r>
+          </a:p>
+          <a:p>
+            <a:r>
+              <a:rPr lang="en-US" dirty="0"/>
+              <a:t>C. None of the above</a:t>
+            </a:r>
+          </a:p>
+          <a:p>
+            <a:r>
+              <a:rPr lang="en-US" dirty="0"/>
+              <a:t>ANS:_________________</a:t>
+            </a:r>
+          </a:p>
+          <a:p>
+            <a:r>
+              <a:rPr lang="en-US" dirty="0"/>
+              <a:t>A</a:t>
+            </a:r>
+          </a:p>
+          <a:p>
+            <a:endParaRPr lang="en-US" dirty="0"/>
+          </a:p>
+          <a:p>
+            <a:r>
+              <a:rPr lang="en-US" dirty="0"/>
+              <a:t>In [Clements13] "The Scalable Commutativity Rule: Designing Scalable Software for Multicore Processors", what does it mean when we say a software system is "scalable"?</a:t>
+            </a:r>
+          </a:p>
+          <a:p>
+            <a:r>
+              <a:rPr lang="en-US" dirty="0"/>
+              <a:t>A. System performance stays constant with increasing number of cores on a multicore processor.</a:t>
+            </a:r>
+          </a:p>
+          <a:p>
+            <a:r>
+              <a:rPr lang="en-US" dirty="0"/>
+              <a:t>B. System performance increases linearly with increasing number of cores on a multicore processor.</a:t>
+            </a:r>
+          </a:p>
+          <a:p>
+            <a:r>
+              <a:rPr lang="en-US" dirty="0"/>
+              <a:t>C. System performance deteriorates with increasing number of cores on a multicore processor.</a:t>
+            </a:r>
+          </a:p>
+          <a:p>
+            <a:r>
+              <a:rPr lang="en-US" dirty="0"/>
+              <a:t>D. System performance is independent of the underlying hardware platform.</a:t>
+            </a:r>
+          </a:p>
+          <a:p>
+            <a:r>
+              <a:rPr lang="en-US" dirty="0"/>
+              <a:t>ANS: ________________</a:t>
+            </a:r>
+          </a:p>
+          <a:p>
+            <a:r>
+              <a:rPr lang="en-US" dirty="0"/>
+              <a:t>B</a:t>
+            </a:r>
+          </a:p>
+          <a:p>
+            <a:endParaRPr lang="en-US" dirty="0"/>
+          </a:p>
+          <a:p>
+            <a:r>
+              <a:rPr lang="en-US" dirty="0"/>
+              <a:t>Which of the following does NOT describe [Rossbach11], "Rossbach, </a:t>
+            </a:r>
+            <a:r>
+              <a:rPr lang="en-US" dirty="0" err="1"/>
+              <a:t>PTask</a:t>
+            </a:r>
+            <a:r>
+              <a:rPr lang="en-US" dirty="0"/>
+              <a:t>: Operating System Abstractions To Manage GPUs as Compute Devices"?</a:t>
+            </a:r>
+          </a:p>
+          <a:p>
+            <a:r>
+              <a:rPr lang="en-US" dirty="0"/>
+              <a:t>A. to provide a dataflow programming model for GPU.</a:t>
+            </a:r>
+          </a:p>
+          <a:p>
+            <a:r>
+              <a:rPr lang="en-US" dirty="0"/>
+              <a:t>B. to reduce unnecessary memory transfers between CPU and GPU.</a:t>
+            </a:r>
+          </a:p>
+          <a:p>
+            <a:r>
+              <a:rPr lang="en-US" dirty="0"/>
+              <a:t>C. to provide more OS support for GPUs</a:t>
+            </a:r>
+          </a:p>
+          <a:p>
+            <a:r>
+              <a:rPr lang="en-US" dirty="0"/>
+              <a:t>D. to build next-generation GPU microarchitecture</a:t>
+            </a:r>
+          </a:p>
+          <a:p>
+            <a:r>
+              <a:rPr lang="en-US" dirty="0"/>
+              <a:t>ANS: ________________</a:t>
+            </a:r>
+          </a:p>
+          <a:p>
+            <a:r>
+              <a:rPr lang="en-US" dirty="0"/>
+              <a:t>D</a:t>
+            </a:r>
+          </a:p>
+          <a:p>
+            <a:endParaRPr lang="en-US" dirty="0"/>
+          </a:p>
+          <a:p>
+            <a:r>
+              <a:rPr lang="en-US" dirty="0"/>
+              <a:t>In [Kim14] "</a:t>
+            </a:r>
+            <a:r>
+              <a:rPr lang="en-US" dirty="0" err="1"/>
+              <a:t>GPUnet</a:t>
+            </a:r>
+            <a:r>
+              <a:rPr lang="en-US" dirty="0"/>
+              <a:t>: Networking Abstractions for GPU Programs", RDMA (Remote Direct Memory Access) is used to:</a:t>
+            </a:r>
+          </a:p>
+          <a:p>
+            <a:r>
+              <a:rPr lang="en-US" dirty="0"/>
+              <a:t>A. perform memory transfers between CPU and GPU</a:t>
+            </a:r>
+          </a:p>
+          <a:p>
+            <a:r>
+              <a:rPr lang="en-US" dirty="0"/>
+              <a:t>B. offload transport layer processing to NIC (Network Interface Card)</a:t>
+            </a:r>
+          </a:p>
+          <a:p>
+            <a:r>
+              <a:rPr lang="en-US" dirty="0"/>
+              <a:t>C. maintain cache coherence between CPU and GPU</a:t>
+            </a:r>
+          </a:p>
+          <a:p>
+            <a:r>
+              <a:rPr lang="en-US" dirty="0"/>
+              <a:t>D. reduce unnecessary memory transfers between CPU and GPU.</a:t>
+            </a:r>
+          </a:p>
+          <a:p>
+            <a:r>
+              <a:rPr lang="en-US" dirty="0"/>
+              <a:t>ANS: ________________</a:t>
+            </a:r>
+          </a:p>
+          <a:p>
+            <a:r>
+              <a:rPr lang="en-US" dirty="0"/>
+              <a:t>B</a:t>
+            </a:r>
+            <a:endParaRPr lang="en-SE" dirty="0"/>
+          </a:p>
+        </p:txBody>
+      </p:sp>
+      <p:sp>
+        <p:nvSpPr>
+          <p:cNvPr id="4" name="Date Placeholder 3">
+            <a:extLst>
+              <a:ext uri="{FF2B5EF4-FFF2-40B4-BE49-F238E27FC236}">
+                <a16:creationId xmlns:a16="http://schemas.microsoft.com/office/drawing/2014/main" id="{B22954D2-AE7F-4B8E-8BB3-160AC99B15D4}"/>
+              </a:ext>
+            </a:extLst>
+          </p:cNvPr>
+          <p:cNvSpPr>
+            <a:spLocks noGrp="1"/>
+          </p:cNvSpPr>
+          <p:nvPr>
+            <p:ph type="dt" sz="half" idx="10"/>
+          </p:nvPr>
+        </p:nvSpPr>
         <p:spPr/>
         <p:txBody>
-          <a:bodyPr>
-            <a:normAutofit/>
-          </a:bodyPr>
-          <a:lstStyle/>
-          <a:p>
-            <a:r>
-              <a:rPr lang="zh-CN" altLang="en-US" dirty="0"/>
-              <a:t>本课程</a:t>
-            </a:r>
-            <a:r>
-              <a:rPr lang="zh-CN" altLang="en-US" sz="3200" dirty="0"/>
-              <a:t>不点名，凭个人兴趣上课，上课提问回答不计分</a:t>
-            </a:r>
-            <a:endParaRPr lang="en-US" altLang="zh-CN" sz="3200" dirty="0"/>
-          </a:p>
-          <a:p>
-            <a:r>
-              <a:rPr lang="zh-CN" altLang="en-US" dirty="0"/>
-              <a:t>本课程至今，只有极少数不参加考试，不提交报告的</a:t>
-            </a:r>
-            <a:r>
-              <a:rPr lang="zh-CN" altLang="en-US"/>
-              <a:t>学生会不通过</a:t>
-            </a:r>
-            <a:endParaRPr lang="en-US" altLang="zh-CN" dirty="0"/>
-          </a:p>
-          <a:p>
-            <a:pPr lvl="1"/>
-            <a:r>
-              <a:rPr lang="zh-CN" altLang="en-US" dirty="0"/>
-              <a:t>不要为了混学分来上课</a:t>
-            </a:r>
+          <a:bodyPr/>
+          <a:lstStyle/>
+          <a:p>
+            <a:fld id="{43978029-9DF7-7445-88EF-08A8BCC03D5B}" type="datetime1">
+              <a:rPr lang="en-US" smtClean="0"/>
+              <a:pPr/>
+              <a:t>4/21/2020</a:t>
+            </a:fld>
+            <a:endParaRPr lang="en-US"/>
+          </a:p>
+        </p:txBody>
+      </p:sp>
+      <p:sp>
+        <p:nvSpPr>
+          <p:cNvPr id="5" name="Slide Number Placeholder 4">
+            <a:extLst>
+              <a:ext uri="{FF2B5EF4-FFF2-40B4-BE49-F238E27FC236}">
+                <a16:creationId xmlns:a16="http://schemas.microsoft.com/office/drawing/2014/main" id="{70AC7BFC-8075-49E8-BE85-852660C22D22}"/>
+              </a:ext>
+            </a:extLst>
+          </p:cNvPr>
+          <p:cNvSpPr>
+            <a:spLocks noGrp="1"/>
+          </p:cNvSpPr>
+          <p:nvPr>
+            <p:ph type="sldNum" sz="quarter" idx="12"/>
+          </p:nvPr>
+        </p:nvSpPr>
+        <p:spPr/>
+        <p:txBody>
+          <a:bodyPr/>
+          <a:lstStyle/>
+          <a:p>
+            <a:fld id="{3CC63E4C-4642-794D-A2FD-70F6B81535F5}" type="slidenum">
+              <a:rPr lang="en-US" smtClean="0"/>
+              <a:pPr/>
+              <a:t>7</a:t>
+            </a:fld>
+            <a:endParaRPr lang="en-US"/>
           </a:p>
         </p:txBody>
       </p:sp>
     </p:spTree>
     <p:extLst>
       <p:ext uri="{BB962C8B-B14F-4D97-AF65-F5344CB8AC3E}">
-        <p14:creationId xmlns:p14="http://schemas.microsoft.com/office/powerpoint/2010/main" xmlns="" val="3241553957"/>
+        <p14:creationId xmlns:p14="http://schemas.microsoft.com/office/powerpoint/2010/main" val="3530921648"/>
+      </p:ext>
+    </p:extLst>
+  </p:cSld>
+  <p:clrMapOvr>
+    <a:masterClrMapping/>
+  </p:clrMapOvr>
+</p:sld>
+</file>
+
+<file path=ppt/slides/slide8.xml><?xml version="1.0" encoding="utf-8"?>
+<p:sld xmlns:a="http://schemas.openxmlformats.org/drawingml/2006/main" xmlns:r="http://schemas.openxmlformats.org/officeDocument/2006/relationships" xmlns:p="http://schemas.openxmlformats.org/presentationml/2006/main">
+  <p:cSld>
+    <p:spTree>
+      <p:nvGrpSpPr>
+        <p:cNvPr id="1" name=""/>
+        <p:cNvGrpSpPr/>
+        <p:nvPr/>
+      </p:nvGrpSpPr>
+      <p:grpSpPr>
+        <a:xfrm>
+          <a:off x="0" y="0"/>
+          <a:ext cx="0" cy="0"/>
+          <a:chOff x="0" y="0"/>
+          <a:chExt cx="0" cy="0"/>
+        </a:xfrm>
+      </p:grpSpPr>
+      <p:sp>
+        <p:nvSpPr>
+          <p:cNvPr id="2" name="Title 1">
+            <a:extLst>
+              <a:ext uri="{FF2B5EF4-FFF2-40B4-BE49-F238E27FC236}">
+                <a16:creationId xmlns:a16="http://schemas.microsoft.com/office/drawing/2014/main" id="{CA0632E8-CBFD-4A04-8B2D-090F8ACBACC5}"/>
+              </a:ext>
+            </a:extLst>
+          </p:cNvPr>
+          <p:cNvSpPr>
+            <a:spLocks noGrp="1"/>
+          </p:cNvSpPr>
+          <p:nvPr>
+            <p:ph type="title"/>
+          </p:nvPr>
+        </p:nvSpPr>
+        <p:spPr/>
+        <p:txBody>
+          <a:bodyPr/>
+          <a:lstStyle/>
+          <a:p>
+            <a:endParaRPr lang="en-SE"/>
+          </a:p>
+        </p:txBody>
+      </p:sp>
+      <p:sp>
+        <p:nvSpPr>
+          <p:cNvPr id="3" name="Content Placeholder 2">
+            <a:extLst>
+              <a:ext uri="{FF2B5EF4-FFF2-40B4-BE49-F238E27FC236}">
+                <a16:creationId xmlns:a16="http://schemas.microsoft.com/office/drawing/2014/main" id="{2AFA6E01-C783-4C1A-8F6C-681044320ACA}"/>
+              </a:ext>
+            </a:extLst>
+          </p:cNvPr>
+          <p:cNvSpPr>
+            <a:spLocks noGrp="1"/>
+          </p:cNvSpPr>
+          <p:nvPr>
+            <p:ph idx="1"/>
+          </p:nvPr>
+        </p:nvSpPr>
+        <p:spPr/>
+        <p:txBody>
+          <a:bodyPr>
+            <a:normAutofit fontScale="25000" lnSpcReduction="20000"/>
+          </a:bodyPr>
+          <a:lstStyle/>
+          <a:p>
+            <a:r>
+              <a:rPr lang="en-US" dirty="0"/>
+              <a:t>According to [David13] "Everything You Always Wanted to Know About Synchronization but Were Afraid to As", what is the main source of scalability problems in multicore synchronization?</a:t>
+            </a:r>
+          </a:p>
+          <a:p>
+            <a:r>
+              <a:rPr lang="en-US" dirty="0"/>
+              <a:t>A. Hardware</a:t>
+            </a:r>
+          </a:p>
+          <a:p>
+            <a:r>
+              <a:rPr lang="en-US" dirty="0"/>
+              <a:t>B. Software</a:t>
+            </a:r>
+          </a:p>
+          <a:p>
+            <a:r>
+              <a:rPr lang="en-US" dirty="0"/>
+              <a:t>C. Middleware</a:t>
+            </a:r>
+          </a:p>
+          <a:p>
+            <a:r>
+              <a:rPr lang="en-US" dirty="0"/>
+              <a:t>C. None of the above</a:t>
+            </a:r>
+          </a:p>
+          <a:p>
+            <a:endParaRPr lang="en-US" dirty="0"/>
+          </a:p>
+          <a:p>
+            <a:r>
+              <a:rPr lang="en-US" dirty="0"/>
+              <a:t>ANS:_________________</a:t>
+            </a:r>
+          </a:p>
+          <a:p>
+            <a:r>
+              <a:rPr lang="en-US" dirty="0"/>
+              <a:t>A</a:t>
+            </a:r>
+          </a:p>
+          <a:p>
+            <a:endParaRPr lang="en-US" dirty="0"/>
+          </a:p>
+          <a:p>
+            <a:endParaRPr lang="en-US" dirty="0"/>
+          </a:p>
+          <a:p>
+            <a:r>
+              <a:rPr lang="en-US" dirty="0"/>
+              <a:t>In [Clements13] "The Scalable Commutativity Rule: Designing Scalable Software for Multicore Processors", what does it mean when we say a software system is "scalable"?</a:t>
+            </a:r>
+          </a:p>
+          <a:p>
+            <a:r>
+              <a:rPr lang="en-US" dirty="0"/>
+              <a:t>A. System performance stays constant with increasing number of cores on a multicore processor.</a:t>
+            </a:r>
+          </a:p>
+          <a:p>
+            <a:r>
+              <a:rPr lang="en-US" dirty="0"/>
+              <a:t>B. System performance increases linearly with increasing number of cores on a multicore processor.</a:t>
+            </a:r>
+          </a:p>
+          <a:p>
+            <a:r>
+              <a:rPr lang="en-US" dirty="0"/>
+              <a:t>C. System performance deteriorates with increasing number of cores on a multicore processor.</a:t>
+            </a:r>
+          </a:p>
+          <a:p>
+            <a:r>
+              <a:rPr lang="en-US" dirty="0"/>
+              <a:t>D. System performance is independent of the underlying hardware platform.</a:t>
+            </a:r>
+          </a:p>
+          <a:p>
+            <a:endParaRPr lang="en-US" dirty="0"/>
+          </a:p>
+          <a:p>
+            <a:r>
+              <a:rPr lang="en-US" dirty="0"/>
+              <a:t>ANS: ________________</a:t>
+            </a:r>
+          </a:p>
+          <a:p>
+            <a:r>
+              <a:rPr lang="en-US" dirty="0"/>
+              <a:t>B</a:t>
+            </a:r>
+          </a:p>
+          <a:p>
+            <a:endParaRPr lang="en-US" dirty="0"/>
+          </a:p>
+          <a:p>
+            <a:r>
+              <a:rPr lang="en-US" dirty="0"/>
+              <a:t>Which of the following does NOT describe [Rossbach11], "Rossbach, </a:t>
+            </a:r>
+            <a:r>
+              <a:rPr lang="en-US" dirty="0" err="1"/>
+              <a:t>PTask</a:t>
+            </a:r>
+            <a:r>
+              <a:rPr lang="en-US" dirty="0"/>
+              <a:t>: Operating System Abstractions To Manage GPUs as Compute Devices"?</a:t>
+            </a:r>
+          </a:p>
+          <a:p>
+            <a:r>
+              <a:rPr lang="en-US" dirty="0"/>
+              <a:t>A. to provide a dataflow programming model for GPU.</a:t>
+            </a:r>
+          </a:p>
+          <a:p>
+            <a:r>
+              <a:rPr lang="en-US" dirty="0"/>
+              <a:t>B. to reduce unnecessary memory transfers between CPU and GPU.</a:t>
+            </a:r>
+          </a:p>
+          <a:p>
+            <a:r>
+              <a:rPr lang="en-US" dirty="0"/>
+              <a:t>C. to provide more OS support for GPUs</a:t>
+            </a:r>
+          </a:p>
+          <a:p>
+            <a:r>
+              <a:rPr lang="en-US" dirty="0"/>
+              <a:t>D. to build next-generation GPU microarchitecture</a:t>
+            </a:r>
+          </a:p>
+          <a:p>
+            <a:endParaRPr lang="en-US" dirty="0"/>
+          </a:p>
+          <a:p>
+            <a:r>
+              <a:rPr lang="en-US" dirty="0"/>
+              <a:t>ANS: ________________</a:t>
+            </a:r>
+          </a:p>
+          <a:p>
+            <a:r>
+              <a:rPr lang="en-US" dirty="0"/>
+              <a:t>D</a:t>
+            </a:r>
+          </a:p>
+          <a:p>
+            <a:endParaRPr lang="en-US" dirty="0"/>
+          </a:p>
+          <a:p>
+            <a:r>
+              <a:rPr lang="en-US" dirty="0"/>
+              <a:t>In [Kim14] "</a:t>
+            </a:r>
+            <a:r>
+              <a:rPr lang="en-US" dirty="0" err="1"/>
+              <a:t>GPUnet</a:t>
+            </a:r>
+            <a:r>
+              <a:rPr lang="en-US" dirty="0"/>
+              <a:t>: Networking Abstractions for GPU Programs", RDMA (Remote Direct Memory Access) is used to:</a:t>
+            </a:r>
+          </a:p>
+          <a:p>
+            <a:r>
+              <a:rPr lang="en-US" dirty="0"/>
+              <a:t>A. perform memory transfers between CPU and GPU</a:t>
+            </a:r>
+          </a:p>
+          <a:p>
+            <a:r>
+              <a:rPr lang="en-US" dirty="0"/>
+              <a:t>B. offload transport layer processing to NIC (Network Interface Card)</a:t>
+            </a:r>
+          </a:p>
+          <a:p>
+            <a:r>
+              <a:rPr lang="en-US" dirty="0"/>
+              <a:t>C. maintain cache coherence between CPU and GPU</a:t>
+            </a:r>
+          </a:p>
+          <a:p>
+            <a:r>
+              <a:rPr lang="en-US" dirty="0"/>
+              <a:t>D. reduce unnecessary memory transfers between CPU and GPU.</a:t>
+            </a:r>
+          </a:p>
+          <a:p>
+            <a:endParaRPr lang="en-US" dirty="0"/>
+          </a:p>
+          <a:p>
+            <a:r>
+              <a:rPr lang="en-US" dirty="0"/>
+              <a:t>ANS: ________________</a:t>
+            </a:r>
+          </a:p>
+          <a:p>
+            <a:r>
+              <a:rPr lang="en-US" dirty="0"/>
+              <a:t>B</a:t>
+            </a:r>
+          </a:p>
+          <a:p>
+            <a:endParaRPr lang="en-US" dirty="0"/>
+          </a:p>
+          <a:p>
+            <a:r>
+              <a:rPr lang="en-US" dirty="0"/>
+              <a:t>Cache coherence protocols are used to:</a:t>
+            </a:r>
+          </a:p>
+          <a:p>
+            <a:r>
+              <a:rPr lang="en-US" dirty="0"/>
+              <a:t>A. lock cache lines so they are not pushed out to memory</a:t>
+            </a:r>
+          </a:p>
+          <a:p>
+            <a:r>
+              <a:rPr lang="en-US" dirty="0"/>
+              <a:t>B. keep data consistent across multiple private caches on a multicore processor</a:t>
+            </a:r>
+          </a:p>
+          <a:p>
+            <a:r>
+              <a:rPr lang="en-US" dirty="0"/>
+              <a:t>C. implement virtual memory on a multicore processor</a:t>
+            </a:r>
+          </a:p>
+          <a:p>
+            <a:r>
+              <a:rPr lang="en-US" dirty="0"/>
+              <a:t>D. perform cache partitioning to give each application its own private cache space and avoid cache contention on a multicore processor.</a:t>
+            </a:r>
+          </a:p>
+          <a:p>
+            <a:endParaRPr lang="en-US" dirty="0"/>
+          </a:p>
+          <a:p>
+            <a:r>
+              <a:rPr lang="en-US" dirty="0"/>
+              <a:t>ANS: ________________</a:t>
+            </a:r>
+          </a:p>
+          <a:p>
+            <a:r>
+              <a:rPr lang="en-US" dirty="0"/>
+              <a:t>B</a:t>
+            </a:r>
+          </a:p>
+          <a:p>
+            <a:endParaRPr lang="en-US" dirty="0"/>
+          </a:p>
+          <a:p>
+            <a:r>
+              <a:rPr lang="en-US" dirty="0"/>
+              <a:t>In [Blagodurov11] "Case for NUMA-aware Contention Management on Multicore Systems", how to decide if two threads will hurt each </a:t>
+            </a:r>
+            <a:r>
+              <a:rPr lang="en-US" dirty="0" err="1"/>
+              <a:t>other?s</a:t>
+            </a:r>
+            <a:r>
+              <a:rPr lang="en-US" dirty="0"/>
+              <a:t> performance if co-scheduled in the same NUMA domain?</a:t>
+            </a:r>
+          </a:p>
+          <a:p>
+            <a:r>
+              <a:rPr lang="en-US" dirty="0"/>
+              <a:t>A.	By using Per Entity Load Tracking Metric </a:t>
+            </a:r>
+          </a:p>
+          <a:p>
+            <a:r>
+              <a:rPr lang="en-US" dirty="0"/>
+              <a:t>B.	By measuring Last-Level Cache (LLC) miss rate</a:t>
+            </a:r>
+          </a:p>
+          <a:p>
+            <a:r>
+              <a:rPr lang="en-US" dirty="0"/>
+              <a:t>C.	By using AMD CPU¡¯s Miss Address Buffer (MAB)</a:t>
+            </a:r>
+          </a:p>
+          <a:p>
+            <a:r>
+              <a:rPr lang="en-US" dirty="0"/>
+              <a:t>D.	By using high-resolution timestamps to measure  thread start and finish times</a:t>
+            </a:r>
+          </a:p>
+          <a:p>
+            <a:endParaRPr lang="en-US" dirty="0"/>
+          </a:p>
+          <a:p>
+            <a:r>
+              <a:rPr lang="en-US" dirty="0"/>
+              <a:t>ANS: ________________</a:t>
+            </a:r>
+          </a:p>
+          <a:p>
+            <a:r>
+              <a:rPr lang="en-US" dirty="0"/>
+              <a:t>B</a:t>
+            </a:r>
+          </a:p>
+          <a:p>
+            <a:endParaRPr lang="en-SE" dirty="0"/>
+          </a:p>
+        </p:txBody>
+      </p:sp>
+      <p:sp>
+        <p:nvSpPr>
+          <p:cNvPr id="4" name="Date Placeholder 3">
+            <a:extLst>
+              <a:ext uri="{FF2B5EF4-FFF2-40B4-BE49-F238E27FC236}">
+                <a16:creationId xmlns:a16="http://schemas.microsoft.com/office/drawing/2014/main" id="{C52775BA-64AA-4034-B2AB-85A196B4C441}"/>
+              </a:ext>
+            </a:extLst>
+          </p:cNvPr>
+          <p:cNvSpPr>
+            <a:spLocks noGrp="1"/>
+          </p:cNvSpPr>
+          <p:nvPr>
+            <p:ph type="dt" sz="half" idx="10"/>
+          </p:nvPr>
+        </p:nvSpPr>
+        <p:spPr/>
+        <p:txBody>
+          <a:bodyPr/>
+          <a:lstStyle/>
+          <a:p>
+            <a:fld id="{43978029-9DF7-7445-88EF-08A8BCC03D5B}" type="datetime1">
+              <a:rPr lang="en-US" smtClean="0"/>
+              <a:pPr/>
+              <a:t>4/21/2020</a:t>
+            </a:fld>
+            <a:endParaRPr lang="en-US"/>
+          </a:p>
+        </p:txBody>
+      </p:sp>
+      <p:sp>
+        <p:nvSpPr>
+          <p:cNvPr id="5" name="Slide Number Placeholder 4">
+            <a:extLst>
+              <a:ext uri="{FF2B5EF4-FFF2-40B4-BE49-F238E27FC236}">
+                <a16:creationId xmlns:a16="http://schemas.microsoft.com/office/drawing/2014/main" id="{0D26DC11-D638-4346-9CCF-C6E44E804256}"/>
+              </a:ext>
+            </a:extLst>
+          </p:cNvPr>
+          <p:cNvSpPr>
+            <a:spLocks noGrp="1"/>
+          </p:cNvSpPr>
+          <p:nvPr>
+            <p:ph type="sldNum" sz="quarter" idx="12"/>
+          </p:nvPr>
+        </p:nvSpPr>
+        <p:spPr/>
+        <p:txBody>
+          <a:bodyPr/>
+          <a:lstStyle/>
+          <a:p>
+            <a:fld id="{3CC63E4C-4642-794D-A2FD-70F6B81535F5}" type="slidenum">
+              <a:rPr lang="en-US" smtClean="0"/>
+              <a:pPr/>
+              <a:t>8</a:t>
+            </a:fld>
+            <a:endParaRPr lang="en-US"/>
+          </a:p>
+        </p:txBody>
+      </p:sp>
+    </p:spTree>
+    <p:extLst>
+      <p:ext uri="{BB962C8B-B14F-4D97-AF65-F5344CB8AC3E}">
+        <p14:creationId xmlns:p14="http://schemas.microsoft.com/office/powerpoint/2010/main" val="2544379382"/>
+      </p:ext>
+    </p:extLst>
+  </p:cSld>
+  <p:clrMapOvr>
+    <a:masterClrMapping/>
+  </p:clrMapOvr>
+</p:sld>
+</file>
+
+<file path=ppt/slides/slide9.xml><?xml version="1.0" encoding="utf-8"?>
+<p:sld xmlns:a="http://schemas.openxmlformats.org/drawingml/2006/main" xmlns:r="http://schemas.openxmlformats.org/officeDocument/2006/relationships" xmlns:p="http://schemas.openxmlformats.org/presentationml/2006/main">
+  <p:cSld>
+    <p:spTree>
+      <p:nvGrpSpPr>
+        <p:cNvPr id="1" name=""/>
+        <p:cNvGrpSpPr/>
+        <p:nvPr/>
+      </p:nvGrpSpPr>
+      <p:grpSpPr>
+        <a:xfrm>
+          <a:off x="0" y="0"/>
+          <a:ext cx="0" cy="0"/>
+          <a:chOff x="0" y="0"/>
+          <a:chExt cx="0" cy="0"/>
+        </a:xfrm>
+      </p:grpSpPr>
+      <p:sp>
+        <p:nvSpPr>
+          <p:cNvPr id="2" name="标题 1"/>
+          <p:cNvSpPr>
+            <a:spLocks noGrp="1"/>
+          </p:cNvSpPr>
+          <p:nvPr>
+            <p:ph type="title"/>
+          </p:nvPr>
+        </p:nvSpPr>
+        <p:spPr/>
+        <p:txBody>
+          <a:bodyPr/>
+          <a:lstStyle/>
+          <a:p>
+            <a:r>
+              <a:rPr lang="en-US" altLang="zh-CN" dirty="0"/>
+              <a:t>Project</a:t>
+            </a:r>
+            <a:endParaRPr lang="zh-CN" altLang="en-US" dirty="0"/>
+          </a:p>
+        </p:txBody>
+      </p:sp>
+      <p:sp>
+        <p:nvSpPr>
+          <p:cNvPr id="3" name="内容占位符 2"/>
+          <p:cNvSpPr>
+            <a:spLocks noGrp="1"/>
+          </p:cNvSpPr>
+          <p:nvPr>
+            <p:ph idx="1"/>
+          </p:nvPr>
+        </p:nvSpPr>
+        <p:spPr>
+          <a:xfrm>
+            <a:off x="457199" y="1340428"/>
+            <a:ext cx="8343901" cy="3546629"/>
+          </a:xfrm>
+        </p:spPr>
+        <p:txBody>
+          <a:bodyPr>
+            <a:normAutofit fontScale="70000" lnSpcReduction="20000"/>
+          </a:bodyPr>
+          <a:lstStyle/>
+          <a:p>
+            <a:r>
+              <a:rPr lang="en-US" altLang="zh-CN" dirty="0"/>
+              <a:t>Each group of 1-3 students</a:t>
+            </a:r>
+          </a:p>
+          <a:p>
+            <a:r>
+              <a:rPr lang="en-US" altLang="zh-CN" dirty="0"/>
+              <a:t>You can propose your own project idea </a:t>
+            </a:r>
+          </a:p>
+          <a:p>
+            <a:pPr lvl="1"/>
+            <a:r>
+              <a:rPr lang="en-US" altLang="zh-CN" dirty="0"/>
+              <a:t>Can be a survey of a specific topic</a:t>
+            </a:r>
+          </a:p>
+          <a:p>
+            <a:pPr lvl="1"/>
+            <a:r>
+              <a:rPr lang="en-US" altLang="zh-CN" dirty="0"/>
+              <a:t>Can be based on your own research topic (does not have to be related to OS)</a:t>
+            </a:r>
+          </a:p>
+          <a:p>
+            <a:r>
+              <a:rPr lang="en-US" altLang="zh-CN" dirty="0"/>
+              <a:t>Project proposal (5 </a:t>
+            </a:r>
+            <a:r>
+              <a:rPr lang="en-US" altLang="zh-CN" dirty="0" err="1"/>
+              <a:t>pt</a:t>
+            </a:r>
+            <a:r>
+              <a:rPr lang="en-US" altLang="zh-CN" dirty="0"/>
+              <a:t>) due 05/13</a:t>
+            </a:r>
+          </a:p>
+          <a:p>
+            <a:r>
+              <a:rPr lang="en-US" altLang="zh-CN" dirty="0"/>
+              <a:t>Project report (45 </a:t>
+            </a:r>
+            <a:r>
+              <a:rPr lang="en-US" altLang="zh-CN" dirty="0" err="1"/>
+              <a:t>pt</a:t>
+            </a:r>
+            <a:r>
+              <a:rPr lang="en-US" altLang="zh-CN" dirty="0"/>
+              <a:t>) is due 06/26. Minimum 4 pages, in English or Chinese. Do not send me source code. </a:t>
+            </a:r>
+          </a:p>
+          <a:p>
+            <a:r>
+              <a:rPr lang="en-US" altLang="zh-CN" dirty="0"/>
+              <a:t>Late policy: every late day costs 1 point.</a:t>
+            </a:r>
+          </a:p>
+          <a:p>
+            <a:r>
+              <a:rPr lang="en-US" altLang="zh-CN" dirty="0"/>
+              <a:t>Most students get full 50 points </a:t>
+            </a:r>
+            <a:r>
+              <a:rPr lang="en-US" altLang="zh-CN" dirty="0">
+                <a:sym typeface="Wingdings" panose="05000000000000000000" pitchFamily="2" charset="2"/>
+              </a:rPr>
+              <a:t></a:t>
+            </a:r>
+            <a:endParaRPr lang="en-US" altLang="zh-CN" dirty="0"/>
+          </a:p>
+        </p:txBody>
+      </p:sp>
+      <p:sp>
+        <p:nvSpPr>
+          <p:cNvPr id="4" name="日期占位符 3"/>
+          <p:cNvSpPr>
+            <a:spLocks noGrp="1"/>
+          </p:cNvSpPr>
+          <p:nvPr>
+            <p:ph type="dt" sz="half" idx="10"/>
+          </p:nvPr>
+        </p:nvSpPr>
+        <p:spPr/>
+        <p:txBody>
+          <a:bodyPr/>
+          <a:lstStyle/>
+          <a:p>
+            <a:fld id="{43978029-9DF7-7445-88EF-08A8BCC03D5B}" type="datetime1">
+              <a:rPr lang="en-US" smtClean="0"/>
+              <a:pPr/>
+              <a:t>4/21/2020</a:t>
+            </a:fld>
+            <a:endParaRPr lang="en-US"/>
+          </a:p>
+        </p:txBody>
+      </p:sp>
+      <p:sp>
+        <p:nvSpPr>
+          <p:cNvPr id="6" name="灯片编号占位符 5"/>
+          <p:cNvSpPr>
+            <a:spLocks noGrp="1"/>
+          </p:cNvSpPr>
+          <p:nvPr>
+            <p:ph type="sldNum" sz="quarter" idx="12"/>
+          </p:nvPr>
+        </p:nvSpPr>
+        <p:spPr/>
+        <p:txBody>
+          <a:bodyPr/>
+          <a:lstStyle/>
+          <a:p>
+            <a:fld id="{3CC63E4C-4642-794D-A2FD-70F6B81535F5}" type="slidenum">
+              <a:rPr lang="en-US" smtClean="0"/>
+              <a:pPr/>
+              <a:t>9</a:t>
+            </a:fld>
+            <a:endParaRPr lang="en-US"/>
+          </a:p>
+        </p:txBody>
+      </p:sp>
+      <p:pic>
+        <p:nvPicPr>
+          <p:cNvPr id="5" name="Picture 4">
+            <a:extLst>
+              <a:ext uri="{FF2B5EF4-FFF2-40B4-BE49-F238E27FC236}">
+                <a16:creationId xmlns:a16="http://schemas.microsoft.com/office/drawing/2014/main" id="{50C4B684-9158-43EA-BE1A-80C9B7016248}"/>
+              </a:ext>
+            </a:extLst>
+          </p:cNvPr>
+          <p:cNvPicPr>
+            <a:picLocks noChangeAspect="1"/>
+          </p:cNvPicPr>
+          <p:nvPr/>
+        </p:nvPicPr>
+        <p:blipFill>
+          <a:blip r:embed="rId3"/>
+          <a:stretch>
+            <a:fillRect/>
+          </a:stretch>
+        </p:blipFill>
+        <p:spPr>
+          <a:xfrm>
+            <a:off x="2990620" y="4887057"/>
+            <a:ext cx="3277057" cy="1905266"/>
+          </a:xfrm>
+          <a:prstGeom prst="rect">
+            <a:avLst/>
+          </a:prstGeom>
+        </p:spPr>
+      </p:pic>
+      <p:sp>
+        <p:nvSpPr>
+          <p:cNvPr id="7" name="Rectangle 6">
+            <a:extLst>
+              <a:ext uri="{FF2B5EF4-FFF2-40B4-BE49-F238E27FC236}">
+                <a16:creationId xmlns:a16="http://schemas.microsoft.com/office/drawing/2014/main" id="{035DAB24-4FE8-4A6F-A234-049EA6A18F1C}"/>
+              </a:ext>
+            </a:extLst>
+          </p:cNvPr>
+          <p:cNvSpPr/>
+          <p:nvPr/>
+        </p:nvSpPr>
+        <p:spPr>
+          <a:xfrm>
+            <a:off x="1374938" y="5629714"/>
+            <a:ext cx="1497526" cy="461665"/>
+          </a:xfrm>
+          <a:prstGeom prst="rect">
+            <a:avLst/>
+          </a:prstGeom>
+        </p:spPr>
+        <p:txBody>
+          <a:bodyPr wrap="none">
+            <a:spAutoFit/>
+          </a:bodyPr>
+          <a:lstStyle/>
+          <a:p>
+            <a:r>
+              <a:rPr lang="zh-CN" altLang="en-US" sz="2400" dirty="0"/>
+              <a:t>学在浙大</a:t>
+            </a:r>
+            <a:r>
+              <a:rPr lang="en-US" altLang="zh-CN" sz="2400" dirty="0"/>
+              <a:t>:</a:t>
+            </a:r>
+          </a:p>
+        </p:txBody>
+      </p:sp>
+    </p:spTree>
+    <p:extLst>
+      <p:ext uri="{BB962C8B-B14F-4D97-AF65-F5344CB8AC3E}">
+        <p14:creationId xmlns:p14="http://schemas.microsoft.com/office/powerpoint/2010/main" val="3157842184"/>
       </p:ext>
     </p:extLst>
   </p:cSld>

--- a/AdvOS/PPT+papers/L00-CourseIntro.pptx
+++ b/AdvOS/PPT+papers/L00-CourseIntro.pptx
@@ -2676,13 +2676,7 @@
               <a:rPr lang="en-US" dirty="0">
                 <a:hlinkClick r:id="rId3"/>
               </a:rPr>
-              <a:t>h</a:t>
-            </a:r>
-            <a:r>
-              <a:rPr lang="en-US" dirty="0">
-                <a:hlinkClick r:id="rId3"/>
-              </a:rPr>
-              <a:t>ttps://gulaoshi.github.io/AdvOS/</a:t>
+              <a:t>https://gulaoshi.github.io/AdvOS/</a:t>
             </a:r>
             <a:r>
               <a:rPr lang="en-US" dirty="0"/>
@@ -3011,7 +3005,11 @@
           <a:p>
             <a:r>
               <a:rPr lang="en-US" altLang="zh-CN"/>
-              <a:t>Course Topics</a:t>
+              <a:t>Lecture </a:t>
+            </a:r>
+            <a:r>
+              <a:rPr lang="en-US" altLang="zh-CN" dirty="0"/>
+              <a:t>Topics</a:t>
             </a:r>
             <a:endParaRPr lang="zh-CN" altLang="en-US" dirty="0"/>
           </a:p>
@@ -3035,60 +3033,60 @@
         </p:spPr>
         <p:txBody>
           <a:bodyPr>
-            <a:normAutofit fontScale="92500" lnSpcReduction="20000"/>
+            <a:normAutofit fontScale="85000" lnSpcReduction="10000"/>
           </a:bodyPr>
           <a:lstStyle/>
           <a:p>
             <a:r>
               <a:rPr lang="en-US" altLang="zh-CN" dirty="0"/>
-              <a:t>No textbook. </a:t>
-            </a:r>
-          </a:p>
-          <a:p>
+              <a:t>No textbook. I will introduce the latest research papers, and give you an overview of the recent research on the following topics (tentative):</a:t>
+            </a:r>
+          </a:p>
+          <a:p>
+            <a:pPr lvl="1"/>
             <a:r>
               <a:rPr lang="en-US" altLang="zh-CN" dirty="0"/>
-              <a:t>I will introduce the latest research papers, and give you an overview of the recent research progress on the following topics (tentative):</a:t>
+              <a:t>Multicore &amp; GPU resource management</a:t>
             </a:r>
           </a:p>
           <a:p>
             <a:pPr lvl="1"/>
             <a:r>
               <a:rPr lang="en-US" altLang="zh-CN" dirty="0"/>
-              <a:t>Multicore Architecture</a:t>
+              <a:t>Internet of Things (IoT) and Cyber-Physical Systems</a:t>
             </a:r>
           </a:p>
           <a:p>
             <a:pPr lvl="1"/>
             <a:r>
               <a:rPr lang="en-US" altLang="zh-CN" dirty="0"/>
-              <a:t>Multicore Scheduling &amp; Synchronization</a:t>
+              <a:t>Automotive Electrical/Electronic (E/E) Systems </a:t>
             </a:r>
           </a:p>
           <a:p>
             <a:pPr lvl="1"/>
             <a:r>
               <a:rPr lang="en-US" altLang="zh-CN" dirty="0"/>
-              <a:t>GPU Resource Management</a:t>
+              <a:t>Security and privacy issues</a:t>
             </a:r>
           </a:p>
           <a:p>
             <a:pPr lvl="1"/>
             <a:r>
               <a:rPr lang="en-US" altLang="zh-CN" dirty="0"/>
-              <a:t>Security</a:t>
-            </a:r>
-          </a:p>
-          <a:p>
-            <a:pPr lvl="1"/>
+              <a:t>Anything related to “systems”</a:t>
+            </a:r>
+          </a:p>
+          <a:p>
             <a:r>
               <a:rPr lang="en-US" altLang="zh-CN" dirty="0"/>
-              <a:t>…</a:t>
+              <a:t>Course website will be updated throughout the semester</a:t>
             </a:r>
           </a:p>
           <a:p>
             <a:r>
               <a:rPr lang="en-US" altLang="zh-CN" dirty="0"/>
-              <a:t>The course objective is to give a broad overview of the state-of-the-art research advances, instead of digging deep into any classic topics.</a:t>
+              <a:t>The objective is to give a broad overview of the state-of-the-art research advances, instead of digging deep into any classic topics.</a:t>
             </a:r>
           </a:p>
           <a:p>

--- a/AdvOS/PPT+papers/L00-CourseIntro.pptx
+++ b/AdvOS/PPT+papers/L00-CourseIntro.pptx
@@ -5,10 +5,10 @@
     <p:sldMasterId id="2147483648" r:id="rId1"/>
   </p:sldMasterIdLst>
   <p:notesMasterIdLst>
-    <p:notesMasterId r:id="rId13"/>
+    <p:notesMasterId r:id="rId12"/>
   </p:notesMasterIdLst>
   <p:handoutMasterIdLst>
-    <p:handoutMasterId r:id="rId14"/>
+    <p:handoutMasterId r:id="rId13"/>
   </p:handoutMasterIdLst>
   <p:sldIdLst>
     <p:sldId id="257" r:id="rId2"/>
@@ -18,10 +18,9 @@
     <p:sldId id="388" r:id="rId6"/>
     <p:sldId id="423" r:id="rId7"/>
     <p:sldId id="425" r:id="rId8"/>
-    <p:sldId id="424" r:id="rId9"/>
-    <p:sldId id="418" r:id="rId10"/>
-    <p:sldId id="420" r:id="rId11"/>
-    <p:sldId id="422" r:id="rId12"/>
+    <p:sldId id="418" r:id="rId9"/>
+    <p:sldId id="420" r:id="rId10"/>
+    <p:sldId id="422" r:id="rId11"/>
   </p:sldIdLst>
   <p:sldSz cx="9144000" cy="6858000" type="screen4x3"/>
   <p:notesSz cx="6858000" cy="9144000"/>
@@ -236,7 +235,7 @@
             <a:fld id="{F8933265-5E23-BF49-B6BF-1934B9BC786E}" type="datetimeFigureOut">
               <a:rPr lang="en-US" smtClean="0"/>
               <a:pPr/>
-              <a:t>4/21/2020</a:t>
+              <a:t>4/22/2020</a:t>
             </a:fld>
             <a:endParaRPr lang="en-US"/>
           </a:p>
@@ -404,7 +403,7 @@
             <a:fld id="{77AA1BC7-CCFC-484A-97F3-979F740C57F6}" type="datetimeFigureOut">
               <a:rPr lang="en-US" smtClean="0"/>
               <a:pPr/>
-              <a:t>4/21/2020</a:t>
+              <a:t>4/22/2020</a:t>
             </a:fld>
             <a:endParaRPr lang="en-US"/>
           </a:p>
@@ -922,7 +921,7 @@
             <a:fld id="{EF97FDFF-7B9F-7D4D-BFC0-AAD1F3D3D3CB}" type="slidenum">
               <a:rPr lang="en-US" smtClean="0"/>
               <a:pPr/>
-              <a:t>9</a:t>
+              <a:t>8</a:t>
             </a:fld>
             <a:endParaRPr lang="en-US"/>
           </a:p>
@@ -1119,7 +1118,7 @@
             <a:fld id="{F2522AE9-B1C6-B042-A107-EE906DAFE47A}" type="datetime1">
               <a:rPr lang="en-US" smtClean="0"/>
               <a:pPr/>
-              <a:t>4/21/2020</a:t>
+              <a:t>4/22/2020</a:t>
             </a:fld>
             <a:endParaRPr lang="en-US"/>
           </a:p>
@@ -1265,7 +1264,7 @@
             <a:fld id="{43978029-9DF7-7445-88EF-08A8BCC03D5B}" type="datetime1">
               <a:rPr lang="en-US" smtClean="0"/>
               <a:pPr/>
-              <a:t>4/21/2020</a:t>
+              <a:t>4/22/2020</a:t>
             </a:fld>
             <a:endParaRPr lang="en-US"/>
           </a:p>
@@ -1488,7 +1487,7 @@
             <a:fld id="{FBF1B337-2382-054B-9CBC-B5E6411EBFC8}" type="datetime1">
               <a:rPr lang="en-US" smtClean="0"/>
               <a:pPr/>
-              <a:t>4/21/2020</a:t>
+              <a:t>4/22/2020</a:t>
             </a:fld>
             <a:endParaRPr lang="en-US"/>
           </a:p>
@@ -1751,7 +1750,7 @@
             <a:fld id="{20CED5B6-3291-6D46-85CD-2C693E79C6ED}" type="datetime1">
               <a:rPr lang="en-US" smtClean="0"/>
               <a:pPr/>
-              <a:t>4/21/2020</a:t>
+              <a:t>4/22/2020</a:t>
             </a:fld>
             <a:endParaRPr lang="en-US"/>
           </a:p>
@@ -1940,7 +1939,7 @@
             <a:fld id="{75F726D6-095E-2A47-BF9C-15C211CC03CA}" type="datetime1">
               <a:rPr lang="en-US" smtClean="0"/>
               <a:pPr/>
-              <a:t>4/21/2020</a:t>
+              <a:t>4/22/2020</a:t>
             </a:fld>
             <a:endParaRPr lang="en-US"/>
           </a:p>
@@ -2359,7 +2358,7 @@
             <a:fld id="{A3E8E8DC-A926-074D-8C54-DA0784BE7FC6}" type="datetime1">
               <a:rPr lang="en-US" smtClean="0"/>
               <a:pPr/>
-              <a:t>4/21/2020</a:t>
+              <a:t>4/22/2020</a:t>
             </a:fld>
             <a:endParaRPr lang="en-US"/>
           </a:p>
@@ -2374,144 +2373,6 @@
 </file>
 
 <file path=ppt/slides/slide10.xml><?xml version="1.0" encoding="utf-8"?>
-<p:sld xmlns:a="http://schemas.openxmlformats.org/drawingml/2006/main" xmlns:r="http://schemas.openxmlformats.org/officeDocument/2006/relationships" xmlns:p="http://schemas.openxmlformats.org/presentationml/2006/main">
-  <p:cSld>
-    <p:spTree>
-      <p:nvGrpSpPr>
-        <p:cNvPr id="1" name=""/>
-        <p:cNvGrpSpPr/>
-        <p:nvPr/>
-      </p:nvGrpSpPr>
-      <p:grpSpPr>
-        <a:xfrm>
-          <a:off x="0" y="0"/>
-          <a:ext cx="0" cy="0"/>
-          <a:chOff x="0" y="0"/>
-          <a:chExt cx="0" cy="0"/>
-        </a:xfrm>
-      </p:grpSpPr>
-      <p:sp>
-        <p:nvSpPr>
-          <p:cNvPr id="2" name="标题 1"/>
-          <p:cNvSpPr>
-            <a:spLocks noGrp="1"/>
-          </p:cNvSpPr>
-          <p:nvPr>
-            <p:ph type="title"/>
-          </p:nvPr>
-        </p:nvSpPr>
-        <p:spPr/>
-        <p:txBody>
-          <a:bodyPr/>
-          <a:lstStyle/>
-          <a:p>
-            <a:r>
-              <a:rPr lang="en-US" altLang="zh-CN" dirty="0"/>
-              <a:t>Teaching Method</a:t>
-            </a:r>
-            <a:endParaRPr lang="zh-CN" altLang="en-US" dirty="0"/>
-          </a:p>
-        </p:txBody>
-      </p:sp>
-      <p:sp>
-        <p:nvSpPr>
-          <p:cNvPr id="3" name="内容占位符 2"/>
-          <p:cNvSpPr>
-            <a:spLocks noGrp="1"/>
-          </p:cNvSpPr>
-          <p:nvPr>
-            <p:ph idx="1"/>
-          </p:nvPr>
-        </p:nvSpPr>
-        <p:spPr/>
-        <p:txBody>
-          <a:bodyPr>
-            <a:normAutofit/>
-          </a:bodyPr>
-          <a:lstStyle/>
-          <a:p>
-            <a:r>
-              <a:rPr lang="en-US" altLang="zh-CN" dirty="0"/>
-              <a:t>Reading of the discussed papers before class is encouraged, but not mandatory</a:t>
-            </a:r>
-          </a:p>
-          <a:p>
-            <a:r>
-              <a:rPr lang="en-US" altLang="zh-CN" dirty="0"/>
-              <a:t>I will sometimes play and discuss some videos in class, mainly talks from computer systems conferences from USENIX, ACM/IEEE</a:t>
-            </a:r>
-          </a:p>
-          <a:p>
-            <a:pPr lvl="1"/>
-            <a:r>
-              <a:rPr lang="en-US" altLang="zh-CN" dirty="0"/>
-              <a:t>The videos will be put online, along with the PPTs</a:t>
-            </a:r>
-          </a:p>
-        </p:txBody>
-      </p:sp>
-      <p:sp>
-        <p:nvSpPr>
-          <p:cNvPr id="4" name="日期占位符 3"/>
-          <p:cNvSpPr>
-            <a:spLocks noGrp="1"/>
-          </p:cNvSpPr>
-          <p:nvPr>
-            <p:ph type="dt" sz="half" idx="10"/>
-          </p:nvPr>
-        </p:nvSpPr>
-        <p:spPr/>
-        <p:txBody>
-          <a:bodyPr/>
-          <a:lstStyle/>
-          <a:p>
-            <a:fld id="{43978029-9DF7-7445-88EF-08A8BCC03D5B}" type="datetime1">
-              <a:rPr lang="en-US" smtClean="0"/>
-              <a:pPr/>
-              <a:t>4/21/2020</a:t>
-            </a:fld>
-            <a:endParaRPr lang="en-US"/>
-          </a:p>
-        </p:txBody>
-      </p:sp>
-      <p:sp>
-        <p:nvSpPr>
-          <p:cNvPr id="6" name="灯片编号占位符 5"/>
-          <p:cNvSpPr>
-            <a:spLocks noGrp="1"/>
-          </p:cNvSpPr>
-          <p:nvPr>
-            <p:ph type="sldNum" sz="quarter" idx="12"/>
-          </p:nvPr>
-        </p:nvSpPr>
-        <p:spPr/>
-        <p:txBody>
-          <a:bodyPr/>
-          <a:lstStyle/>
-          <a:p>
-            <a:fld id="{3CC63E4C-4642-794D-A2FD-70F6B81535F5}" type="slidenum">
-              <a:rPr lang="en-US" smtClean="0"/>
-              <a:pPr/>
-              <a:t>10</a:t>
-            </a:fld>
-            <a:endParaRPr lang="en-US"/>
-          </a:p>
-        </p:txBody>
-      </p:sp>
-    </p:spTree>
-    <p:extLst>
-      <p:ext uri="{BB962C8B-B14F-4D97-AF65-F5344CB8AC3E}">
-        <p14:creationId xmlns:p14="http://schemas.microsoft.com/office/powerpoint/2010/main" val="2172446924"/>
-      </p:ext>
-    </p:extLst>
-  </p:cSld>
-  <p:clrMapOvr>
-    <a:masterClrMapping/>
-  </p:clrMapOvr>
-</p:sld>
-</file>
-
-<file path=ppt/slides/slide11.xml><?xml version="1.0" encoding="utf-8"?>
 <p:sld xmlns:a="http://schemas.openxmlformats.org/drawingml/2006/main" xmlns:r="http://schemas.openxmlformats.org/officeDocument/2006/relationships" xmlns:p="http://schemas.openxmlformats.org/presentationml/2006/main">
   <p:cSld>
     <p:spTree>
@@ -2922,7 +2783,7 @@
             <a:fld id="{43978029-9DF7-7445-88EF-08A8BCC03D5B}" type="datetime1">
               <a:rPr lang="en-US" smtClean="0"/>
               <a:pPr/>
-              <a:t>4/21/2020</a:t>
+              <a:t>4/22/2020</a:t>
             </a:fld>
             <a:endParaRPr lang="en-US"/>
           </a:p>
@@ -3115,7 +2976,7 @@
             <a:fld id="{43978029-9DF7-7445-88EF-08A8BCC03D5B}" type="datetime1">
               <a:rPr lang="en-US" smtClean="0"/>
               <a:pPr/>
-              <a:t>4/21/2020</a:t>
+              <a:t>4/22/2020</a:t>
             </a:fld>
             <a:endParaRPr lang="en-US"/>
           </a:p>
@@ -3377,7 +3238,7 @@
             <a:fld id="{43978029-9DF7-7445-88EF-08A8BCC03D5B}" type="datetime1">
               <a:rPr lang="en-US" smtClean="0"/>
               <a:pPr/>
-              <a:t>4/21/2020</a:t>
+              <a:t>4/22/2020</a:t>
             </a:fld>
             <a:endParaRPr lang="en-US"/>
           </a:p>
@@ -3719,7 +3580,7 @@
             <a:fld id="{43978029-9DF7-7445-88EF-08A8BCC03D5B}" type="datetime1">
               <a:rPr lang="en-US" smtClean="0"/>
               <a:pPr/>
-              <a:t>4/21/2020</a:t>
+              <a:t>4/22/2020</a:t>
             </a:fld>
             <a:endParaRPr lang="en-US"/>
           </a:p>
@@ -3787,13 +3648,7 @@
       </p:grpSpPr>
       <p:sp>
         <p:nvSpPr>
-          <p:cNvPr id="2" name="Title 1">
-            <a:extLst>
-              <a:ext uri="{FF2B5EF4-FFF2-40B4-BE49-F238E27FC236}">
-                <a16:creationId xmlns:a16="http://schemas.microsoft.com/office/drawing/2014/main" id="{CA0632E8-CBFD-4A04-8B2D-090F8ACBACC5}"/>
-              </a:ext>
-            </a:extLst>
-          </p:cNvPr>
+          <p:cNvPr id="2" name="标题 1"/>
           <p:cNvSpPr>
             <a:spLocks noGrp="1"/>
           </p:cNvSpPr>
@@ -3806,19 +3661,17 @@
           <a:bodyPr/>
           <a:lstStyle/>
           <a:p>
-            <a:endParaRPr lang="en-SE"/>
-          </a:p>
-        </p:txBody>
-      </p:sp>
-      <p:sp>
-        <p:nvSpPr>
-          <p:cNvPr id="3" name="Content Placeholder 2">
-            <a:extLst>
-              <a:ext uri="{FF2B5EF4-FFF2-40B4-BE49-F238E27FC236}">
-                <a16:creationId xmlns:a16="http://schemas.microsoft.com/office/drawing/2014/main" id="{2AFA6E01-C783-4C1A-8F6C-681044320ACA}"/>
-              </a:ext>
-            </a:extLst>
-          </p:cNvPr>
+            <a:r>
+              <a:rPr lang="en-US" altLang="zh-CN" dirty="0"/>
+              <a:t>Project</a:t>
+            </a:r>
+            <a:endParaRPr lang="zh-CN" altLang="en-US" dirty="0"/>
+          </a:p>
+        </p:txBody>
+      </p:sp>
+      <p:sp>
+        <p:nvSpPr>
+          <p:cNvPr id="3" name="内容占位符 2"/>
           <p:cNvSpPr>
             <a:spLocks noGrp="1"/>
           </p:cNvSpPr>
@@ -3826,338 +3679,95 @@
             <p:ph idx="1"/>
           </p:nvPr>
         </p:nvSpPr>
-        <p:spPr/>
+        <p:spPr>
+          <a:xfrm>
+            <a:off x="457199" y="1340428"/>
+            <a:ext cx="8343901" cy="3955179"/>
+          </a:xfrm>
+        </p:spPr>
         <p:txBody>
           <a:bodyPr>
-            <a:normAutofit fontScale="25000" lnSpcReduction="20000"/>
+            <a:normAutofit fontScale="85000" lnSpcReduction="20000"/>
           </a:bodyPr>
           <a:lstStyle/>
           <a:p>
             <a:r>
-              <a:rPr lang="en-US" dirty="0"/>
-              <a:t>According to [David13] "Everything You Always Wanted to Know About Synchronization but Were Afraid to As", what is the main source of scalability problems in multicore synchronization?</a:t>
-            </a:r>
-          </a:p>
-          <a:p>
-            <a:r>
-              <a:rPr lang="en-US" dirty="0"/>
-              <a:t>A. Hardware</a:t>
-            </a:r>
-          </a:p>
-          <a:p>
-            <a:r>
-              <a:rPr lang="en-US" dirty="0"/>
-              <a:t>B. Software</a:t>
-            </a:r>
-          </a:p>
-          <a:p>
-            <a:r>
-              <a:rPr lang="en-US" dirty="0"/>
-              <a:t>C. Middleware</a:t>
-            </a:r>
-          </a:p>
-          <a:p>
-            <a:r>
-              <a:rPr lang="en-US" dirty="0"/>
-              <a:t>C. None of the above</a:t>
-            </a:r>
-          </a:p>
-          <a:p>
-            <a:endParaRPr lang="en-US" dirty="0"/>
-          </a:p>
-          <a:p>
-            <a:r>
-              <a:rPr lang="en-US" dirty="0"/>
-              <a:t>ANS:_________________</a:t>
-            </a:r>
-          </a:p>
-          <a:p>
-            <a:r>
-              <a:rPr lang="en-US" dirty="0"/>
-              <a:t>A</a:t>
-            </a:r>
-          </a:p>
-          <a:p>
-            <a:endParaRPr lang="en-US" dirty="0"/>
-          </a:p>
-          <a:p>
-            <a:endParaRPr lang="en-US" dirty="0"/>
-          </a:p>
-          <a:p>
-            <a:r>
-              <a:rPr lang="en-US" dirty="0"/>
-              <a:t>In [Clements13] "The Scalable Commutativity Rule: Designing Scalable Software for Multicore Processors", what does it mean when we say a software system is "scalable"?</a:t>
-            </a:r>
-          </a:p>
-          <a:p>
-            <a:r>
-              <a:rPr lang="en-US" dirty="0"/>
-              <a:t>A. System performance stays constant with increasing number of cores on a multicore processor.</a:t>
-            </a:r>
-          </a:p>
-          <a:p>
-            <a:r>
-              <a:rPr lang="en-US" dirty="0"/>
-              <a:t>B. System performance increases linearly with increasing number of cores on a multicore processor.</a:t>
-            </a:r>
-          </a:p>
-          <a:p>
-            <a:r>
-              <a:rPr lang="en-US" dirty="0"/>
-              <a:t>C. System performance deteriorates with increasing number of cores on a multicore processor.</a:t>
-            </a:r>
-          </a:p>
-          <a:p>
-            <a:r>
-              <a:rPr lang="en-US" dirty="0"/>
-              <a:t>D. System performance is independent of the underlying hardware platform.</a:t>
-            </a:r>
-          </a:p>
-          <a:p>
-            <a:endParaRPr lang="en-US" dirty="0"/>
-          </a:p>
-          <a:p>
-            <a:r>
-              <a:rPr lang="en-US" dirty="0"/>
-              <a:t>ANS: ________________</a:t>
-            </a:r>
-          </a:p>
-          <a:p>
-            <a:r>
-              <a:rPr lang="en-US" dirty="0"/>
-              <a:t>B</a:t>
-            </a:r>
-          </a:p>
-          <a:p>
-            <a:endParaRPr lang="en-US" dirty="0"/>
-          </a:p>
-          <a:p>
-            <a:r>
-              <a:rPr lang="en-US" dirty="0"/>
-              <a:t>Which of the following does NOT describe [Rossbach11], "Rossbach, </a:t>
-            </a:r>
-            <a:r>
-              <a:rPr lang="en-US" dirty="0" err="1"/>
-              <a:t>PTask</a:t>
-            </a:r>
-            <a:r>
-              <a:rPr lang="en-US" dirty="0"/>
-              <a:t>: Operating System Abstractions To Manage GPUs as Compute Devices"?</a:t>
-            </a:r>
-          </a:p>
-          <a:p>
-            <a:r>
-              <a:rPr lang="en-US" dirty="0"/>
-              <a:t>A. to provide a dataflow programming model for GPU.</a:t>
-            </a:r>
-          </a:p>
-          <a:p>
-            <a:r>
-              <a:rPr lang="en-US" dirty="0"/>
-              <a:t>B. to reduce unnecessary memory transfers between CPU and GPU.</a:t>
-            </a:r>
-          </a:p>
-          <a:p>
-            <a:r>
-              <a:rPr lang="en-US" dirty="0"/>
-              <a:t>C. to provide more OS support for GPUs</a:t>
-            </a:r>
-          </a:p>
-          <a:p>
-            <a:r>
-              <a:rPr lang="en-US" dirty="0"/>
-              <a:t>D. to build next-generation GPU microarchitecture</a:t>
-            </a:r>
-          </a:p>
-          <a:p>
-            <a:endParaRPr lang="en-US" dirty="0"/>
-          </a:p>
-          <a:p>
-            <a:r>
-              <a:rPr lang="en-US" dirty="0"/>
-              <a:t>ANS: ________________</a:t>
-            </a:r>
-          </a:p>
-          <a:p>
-            <a:r>
-              <a:rPr lang="en-US" dirty="0"/>
-              <a:t>D</a:t>
-            </a:r>
-          </a:p>
-          <a:p>
-            <a:endParaRPr lang="en-US" dirty="0"/>
-          </a:p>
-          <a:p>
-            <a:r>
-              <a:rPr lang="en-US" dirty="0"/>
-              <a:t>In [Kim14] "</a:t>
-            </a:r>
-            <a:r>
-              <a:rPr lang="en-US" dirty="0" err="1"/>
-              <a:t>GPUnet</a:t>
-            </a:r>
-            <a:r>
-              <a:rPr lang="en-US" dirty="0"/>
-              <a:t>: Networking Abstractions for GPU Programs", RDMA (Remote Direct Memory Access) is used to:</a:t>
-            </a:r>
-          </a:p>
-          <a:p>
-            <a:r>
-              <a:rPr lang="en-US" dirty="0"/>
-              <a:t>A. perform memory transfers between CPU and GPU</a:t>
-            </a:r>
-          </a:p>
-          <a:p>
-            <a:r>
-              <a:rPr lang="en-US" dirty="0"/>
-              <a:t>B. offload transport layer processing to NIC (Network Interface Card)</a:t>
-            </a:r>
-          </a:p>
-          <a:p>
-            <a:r>
-              <a:rPr lang="en-US" dirty="0"/>
-              <a:t>C. maintain cache coherence between CPU and GPU</a:t>
-            </a:r>
-          </a:p>
-          <a:p>
-            <a:r>
-              <a:rPr lang="en-US" dirty="0"/>
-              <a:t>D. reduce unnecessary memory transfers between CPU and GPU.</a:t>
-            </a:r>
-          </a:p>
-          <a:p>
-            <a:endParaRPr lang="en-US" dirty="0"/>
-          </a:p>
-          <a:p>
-            <a:r>
-              <a:rPr lang="en-US" dirty="0"/>
-              <a:t>ANS: ________________</a:t>
-            </a:r>
-          </a:p>
-          <a:p>
-            <a:r>
-              <a:rPr lang="en-US" dirty="0"/>
-              <a:t>B</a:t>
-            </a:r>
-          </a:p>
-          <a:p>
-            <a:endParaRPr lang="en-US" dirty="0"/>
-          </a:p>
-          <a:p>
-            <a:r>
-              <a:rPr lang="en-US" dirty="0"/>
-              <a:t>Cache coherence protocols are used to:</a:t>
-            </a:r>
-          </a:p>
-          <a:p>
-            <a:r>
-              <a:rPr lang="en-US" dirty="0"/>
-              <a:t>A. lock cache lines so they are not pushed out to memory</a:t>
-            </a:r>
-          </a:p>
-          <a:p>
-            <a:r>
-              <a:rPr lang="en-US" dirty="0"/>
-              <a:t>B. keep data consistent across multiple private caches on a multicore processor</a:t>
-            </a:r>
-          </a:p>
-          <a:p>
-            <a:r>
-              <a:rPr lang="en-US" dirty="0"/>
-              <a:t>C. implement virtual memory on a multicore processor</a:t>
-            </a:r>
-          </a:p>
-          <a:p>
-            <a:r>
-              <a:rPr lang="en-US" dirty="0"/>
-              <a:t>D. perform cache partitioning to give each application its own private cache space and avoid cache contention on a multicore processor.</a:t>
-            </a:r>
-          </a:p>
-          <a:p>
-            <a:endParaRPr lang="en-US" dirty="0"/>
-          </a:p>
-          <a:p>
-            <a:r>
-              <a:rPr lang="en-US" dirty="0"/>
-              <a:t>ANS: ________________</a:t>
-            </a:r>
-          </a:p>
-          <a:p>
-            <a:r>
-              <a:rPr lang="en-US" dirty="0"/>
-              <a:t>B</a:t>
-            </a:r>
-          </a:p>
-          <a:p>
-            <a:endParaRPr lang="en-US" dirty="0"/>
-          </a:p>
-          <a:p>
-            <a:r>
-              <a:rPr lang="en-US" dirty="0"/>
-              <a:t>In [Blagodurov11] "Case for NUMA-aware Contention Management on Multicore Systems", how to decide if two threads will hurt each </a:t>
-            </a:r>
-            <a:r>
-              <a:rPr lang="en-US" dirty="0" err="1"/>
-              <a:t>other?s</a:t>
-            </a:r>
-            <a:r>
-              <a:rPr lang="en-US" dirty="0"/>
-              <a:t> performance if co-scheduled in the same NUMA domain?</a:t>
-            </a:r>
-          </a:p>
-          <a:p>
-            <a:r>
-              <a:rPr lang="en-US" dirty="0"/>
-              <a:t>A.	By using Per Entity Load Tracking Metric </a:t>
-            </a:r>
-          </a:p>
-          <a:p>
-            <a:r>
-              <a:rPr lang="en-US" dirty="0"/>
-              <a:t>B.	By measuring Last-Level Cache (LLC) miss rate</a:t>
-            </a:r>
-          </a:p>
-          <a:p>
-            <a:r>
-              <a:rPr lang="en-US" dirty="0"/>
-              <a:t>C.	By using AMD CPU¡¯s Miss Address Buffer (MAB)</a:t>
-            </a:r>
-          </a:p>
-          <a:p>
-            <a:r>
-              <a:rPr lang="en-US" dirty="0"/>
-              <a:t>D.	By using high-resolution timestamps to measure  thread start and finish times</a:t>
-            </a:r>
-          </a:p>
-          <a:p>
-            <a:endParaRPr lang="en-US" dirty="0"/>
-          </a:p>
-          <a:p>
-            <a:r>
-              <a:rPr lang="en-US" dirty="0"/>
-              <a:t>ANS: ________________</a:t>
-            </a:r>
-          </a:p>
-          <a:p>
-            <a:r>
-              <a:rPr lang="en-US" dirty="0"/>
-              <a:t>B</a:t>
-            </a:r>
-          </a:p>
-          <a:p>
-            <a:endParaRPr lang="en-SE" dirty="0"/>
-          </a:p>
-        </p:txBody>
-      </p:sp>
-      <p:sp>
-        <p:nvSpPr>
-          <p:cNvPr id="4" name="Date Placeholder 3">
-            <a:extLst>
-              <a:ext uri="{FF2B5EF4-FFF2-40B4-BE49-F238E27FC236}">
-                <a16:creationId xmlns:a16="http://schemas.microsoft.com/office/drawing/2014/main" id="{C52775BA-64AA-4034-B2AB-85A196B4C441}"/>
-              </a:ext>
-            </a:extLst>
-          </p:cNvPr>
+              <a:rPr lang="en-US" altLang="zh-CN" dirty="0"/>
+              <a:t>Each group of 1-3 students</a:t>
+            </a:r>
+          </a:p>
+          <a:p>
+            <a:r>
+              <a:rPr lang="en-US" altLang="zh-CN" dirty="0"/>
+              <a:t>You can propose your own project idea </a:t>
+            </a:r>
+          </a:p>
+          <a:p>
+            <a:pPr lvl="1"/>
+            <a:r>
+              <a:rPr lang="en-US" altLang="zh-CN" dirty="0"/>
+              <a:t>Can be a survey of a specific topic</a:t>
+            </a:r>
+          </a:p>
+          <a:p>
+            <a:pPr lvl="1"/>
+            <a:r>
+              <a:rPr lang="en-US" altLang="zh-CN" dirty="0"/>
+              <a:t>Can be based on your own research topic (does not have to be related to OS)</a:t>
+            </a:r>
+          </a:p>
+          <a:p>
+            <a:r>
+              <a:rPr lang="en-US" altLang="zh-CN" dirty="0"/>
+              <a:t>Project proposal (5 </a:t>
+            </a:r>
+            <a:r>
+              <a:rPr lang="en-US" altLang="zh-CN" dirty="0" err="1"/>
+              <a:t>pt</a:t>
+            </a:r>
+            <a:r>
+              <a:rPr lang="en-US" altLang="zh-CN" dirty="0"/>
+              <a:t>) due 05/13</a:t>
+            </a:r>
+          </a:p>
+          <a:p>
+            <a:r>
+              <a:rPr lang="en-US" altLang="zh-CN" dirty="0"/>
+              <a:t>Project report (45 </a:t>
+            </a:r>
+            <a:r>
+              <a:rPr lang="en-US" altLang="zh-CN" dirty="0" err="1"/>
+              <a:t>pt</a:t>
+            </a:r>
+            <a:r>
+              <a:rPr lang="en-US" altLang="zh-CN" dirty="0"/>
+              <a:t>) is due 06/26. Minimum 4 pages, in English or Chinese. Do not send me source code. </a:t>
+            </a:r>
+          </a:p>
+          <a:p>
+            <a:r>
+              <a:rPr lang="en-US" altLang="zh-CN" dirty="0"/>
+              <a:t>Late policy: every late day costs 1 point.</a:t>
+            </a:r>
+          </a:p>
+          <a:p>
+            <a:r>
+              <a:rPr lang="en-US" altLang="zh-CN" dirty="0"/>
+              <a:t>Most students get full 50 points </a:t>
+            </a:r>
+            <a:r>
+              <a:rPr lang="en-US" altLang="zh-CN" dirty="0">
+                <a:sym typeface="Wingdings" panose="05000000000000000000" pitchFamily="2" charset="2"/>
+              </a:rPr>
+              <a:t></a:t>
+            </a:r>
+            <a:endParaRPr lang="en-US" altLang="zh-CN" dirty="0"/>
+          </a:p>
+        </p:txBody>
+      </p:sp>
+      <p:sp>
+        <p:nvSpPr>
+          <p:cNvPr id="4" name="日期占位符 3"/>
           <p:cNvSpPr>
             <a:spLocks noGrp="1"/>
           </p:cNvSpPr>
@@ -4173,7 +3783,7 @@
             <a:fld id="{43978029-9DF7-7445-88EF-08A8BCC03D5B}" type="datetime1">
               <a:rPr lang="en-US" smtClean="0"/>
               <a:pPr/>
-              <a:t>4/21/2020</a:t>
+              <a:t>4/22/2020</a:t>
             </a:fld>
             <a:endParaRPr lang="en-US"/>
           </a:p>
@@ -4181,13 +3791,7 @@
       </p:sp>
       <p:sp>
         <p:nvSpPr>
-          <p:cNvPr id="5" name="Slide Number Placeholder 4">
-            <a:extLst>
-              <a:ext uri="{FF2B5EF4-FFF2-40B4-BE49-F238E27FC236}">
-                <a16:creationId xmlns:a16="http://schemas.microsoft.com/office/drawing/2014/main" id="{0D26DC11-D638-4346-9CCF-C6E44E804256}"/>
-              </a:ext>
-            </a:extLst>
-          </p:cNvPr>
+          <p:cNvPr id="6" name="灯片编号占位符 5"/>
           <p:cNvSpPr>
             <a:spLocks noGrp="1"/>
           </p:cNvSpPr>
@@ -4209,10 +3813,78 @@
           </a:p>
         </p:txBody>
       </p:sp>
+      <p:sp>
+        <p:nvSpPr>
+          <p:cNvPr id="7" name="Rectangle 6">
+            <a:extLst>
+              <a:ext uri="{FF2B5EF4-FFF2-40B4-BE49-F238E27FC236}">
+                <a16:creationId xmlns:a16="http://schemas.microsoft.com/office/drawing/2014/main" id="{035DAB24-4FE8-4A6F-A234-049EA6A18F1C}"/>
+              </a:ext>
+            </a:extLst>
+          </p:cNvPr>
+          <p:cNvSpPr/>
+          <p:nvPr/>
+        </p:nvSpPr>
+        <p:spPr>
+          <a:xfrm>
+            <a:off x="1374938" y="5629714"/>
+            <a:ext cx="1497526" cy="461665"/>
+          </a:xfrm>
+          <a:prstGeom prst="rect">
+            <a:avLst/>
+          </a:prstGeom>
+        </p:spPr>
+        <p:txBody>
+          <a:bodyPr wrap="none">
+            <a:spAutoFit/>
+          </a:bodyPr>
+          <a:lstStyle/>
+          <a:p>
+            <a:r>
+              <a:rPr lang="zh-CN" altLang="en-US" sz="2400" dirty="0"/>
+              <a:t>学在浙大</a:t>
+            </a:r>
+            <a:r>
+              <a:rPr lang="en-US" altLang="zh-CN" sz="2400" dirty="0"/>
+              <a:t>:</a:t>
+            </a:r>
+          </a:p>
+        </p:txBody>
+      </p:sp>
+      <p:pic>
+        <p:nvPicPr>
+          <p:cNvPr id="9" name="Picture 8">
+            <a:extLst>
+              <a:ext uri="{FF2B5EF4-FFF2-40B4-BE49-F238E27FC236}">
+                <a16:creationId xmlns:a16="http://schemas.microsoft.com/office/drawing/2014/main" id="{22787DAF-3304-4246-9BEF-39546B6D6147}"/>
+              </a:ext>
+            </a:extLst>
+          </p:cNvPr>
+          <p:cNvPicPr>
+            <a:picLocks noChangeAspect="1"/>
+          </p:cNvPicPr>
+          <p:nvPr/>
+        </p:nvPicPr>
+        <p:blipFill>
+          <a:blip r:embed="rId3"/>
+          <a:stretch>
+            <a:fillRect/>
+          </a:stretch>
+        </p:blipFill>
+        <p:spPr>
+          <a:xfrm>
+            <a:off x="2872464" y="5350384"/>
+            <a:ext cx="4501794" cy="1316314"/>
+          </a:xfrm>
+          <a:prstGeom prst="rect">
+            <a:avLst/>
+          </a:prstGeom>
+        </p:spPr>
+      </p:pic>
     </p:spTree>
     <p:extLst>
       <p:ext uri="{BB962C8B-B14F-4D97-AF65-F5344CB8AC3E}">
-        <p14:creationId xmlns:p14="http://schemas.microsoft.com/office/powerpoint/2010/main" val="2544379382"/>
+        <p14:creationId xmlns:p14="http://schemas.microsoft.com/office/powerpoint/2010/main" val="3157842184"/>
       </p:ext>
     </p:extLst>
   </p:cSld>
@@ -4256,7 +3928,7 @@
           <a:p>
             <a:r>
               <a:rPr lang="en-US" altLang="zh-CN" dirty="0"/>
-              <a:t>Project</a:t>
+              <a:t>Teaching Method</a:t>
             </a:r>
             <a:endParaRPr lang="zh-CN" altLang="en-US" dirty="0"/>
           </a:p>
@@ -4272,89 +3944,30 @@
             <p:ph idx="1"/>
           </p:nvPr>
         </p:nvSpPr>
-        <p:spPr>
-          <a:xfrm>
-            <a:off x="457199" y="1340428"/>
-            <a:ext cx="8343901" cy="3546629"/>
-          </a:xfrm>
-        </p:spPr>
+        <p:spPr/>
         <p:txBody>
           <a:bodyPr>
-            <a:normAutofit fontScale="70000" lnSpcReduction="20000"/>
+            <a:normAutofit/>
           </a:bodyPr>
           <a:lstStyle/>
           <a:p>
             <a:r>
               <a:rPr lang="en-US" altLang="zh-CN" dirty="0"/>
-              <a:t>Each group of 1-3 students</a:t>
+              <a:t>Reading of the discussed papers before class is encouraged, but not mandatory</a:t>
             </a:r>
           </a:p>
           <a:p>
             <a:r>
               <a:rPr lang="en-US" altLang="zh-CN" dirty="0"/>
-              <a:t>You can propose your own project idea </a:t>
+              <a:t>I will sometimes play and discuss some videos in class, mainly talks from computer systems conferences from USENIX, ACM/IEEE</a:t>
             </a:r>
           </a:p>
           <a:p>
             <a:pPr lvl="1"/>
             <a:r>
               <a:rPr lang="en-US" altLang="zh-CN" dirty="0"/>
-              <a:t>Can be a survey of a specific topic</a:t>
-            </a:r>
-          </a:p>
-          <a:p>
-            <a:pPr lvl="1"/>
-            <a:r>
-              <a:rPr lang="en-US" altLang="zh-CN" dirty="0"/>
-              <a:t>Can be based on your own research topic (does not have to be related to OS)</a:t>
-            </a:r>
-          </a:p>
-          <a:p>
-            <a:r>
-              <a:rPr lang="en-US" altLang="zh-CN" dirty="0"/>
-              <a:t>Project proposal (5 </a:t>
-            </a:r>
-            <a:r>
-              <a:rPr lang="en-US" altLang="zh-CN" dirty="0" err="1"/>
-              <a:t>pt</a:t>
-            </a:r>
-            <a:r>
-              <a:rPr lang="en-US" altLang="zh-CN" dirty="0"/>
-              <a:t>) due 05/13</a:t>
-            </a:r>
-          </a:p>
-          <a:p>
-            <a:r>
-              <a:rPr lang="en-US" altLang="zh-CN" dirty="0"/>
-              <a:t>Project report (45 </a:t>
-            </a:r>
-            <a:r>
-              <a:rPr lang="en-US" altLang="zh-CN" dirty="0" err="1"/>
-              <a:t>pt</a:t>
-            </a:r>
-            <a:r>
-              <a:rPr lang="en-US" altLang="zh-CN" dirty="0"/>
-              <a:t>) is due 06/26. Minimum 4 pages, in English or Chinese. Do not send me source code. </a:t>
-            </a:r>
-          </a:p>
-          <a:p>
-            <a:r>
-              <a:rPr lang="en-US" altLang="zh-CN" dirty="0"/>
-              <a:t>Late policy: every late day costs 1 point.</a:t>
-            </a:r>
-          </a:p>
-          <a:p>
-            <a:r>
-              <a:rPr lang="en-US" altLang="zh-CN" dirty="0"/>
-              <a:t>Most students get full 50 points </a:t>
-            </a:r>
-            <a:r>
-              <a:rPr lang="en-US" altLang="zh-CN" dirty="0">
-                <a:sym typeface="Wingdings" panose="05000000000000000000" pitchFamily="2" charset="2"/>
-              </a:rPr>
-              <a:t></a:t>
-            </a:r>
-            <a:endParaRPr lang="en-US" altLang="zh-CN" dirty="0"/>
+              <a:t>The videos will be put online, along with the PPTs</a:t>
+            </a:r>
           </a:p>
         </p:txBody>
       </p:sp>
@@ -4376,7 +3989,7 @@
             <a:fld id="{43978029-9DF7-7445-88EF-08A8BCC03D5B}" type="datetime1">
               <a:rPr lang="en-US" smtClean="0"/>
               <a:pPr/>
-              <a:t>4/21/2020</a:t>
+              <a:t>4/22/2020</a:t>
             </a:fld>
             <a:endParaRPr lang="en-US"/>
           </a:p>
@@ -4406,78 +4019,10 @@
           </a:p>
         </p:txBody>
       </p:sp>
-      <p:pic>
-        <p:nvPicPr>
-          <p:cNvPr id="5" name="Picture 4">
-            <a:extLst>
-              <a:ext uri="{FF2B5EF4-FFF2-40B4-BE49-F238E27FC236}">
-                <a16:creationId xmlns:a16="http://schemas.microsoft.com/office/drawing/2014/main" id="{50C4B684-9158-43EA-BE1A-80C9B7016248}"/>
-              </a:ext>
-            </a:extLst>
-          </p:cNvPr>
-          <p:cNvPicPr>
-            <a:picLocks noChangeAspect="1"/>
-          </p:cNvPicPr>
-          <p:nvPr/>
-        </p:nvPicPr>
-        <p:blipFill>
-          <a:blip r:embed="rId3"/>
-          <a:stretch>
-            <a:fillRect/>
-          </a:stretch>
-        </p:blipFill>
-        <p:spPr>
-          <a:xfrm>
-            <a:off x="2990620" y="4887057"/>
-            <a:ext cx="3277057" cy="1905266"/>
-          </a:xfrm>
-          <a:prstGeom prst="rect">
-            <a:avLst/>
-          </a:prstGeom>
-        </p:spPr>
-      </p:pic>
-      <p:sp>
-        <p:nvSpPr>
-          <p:cNvPr id="7" name="Rectangle 6">
-            <a:extLst>
-              <a:ext uri="{FF2B5EF4-FFF2-40B4-BE49-F238E27FC236}">
-                <a16:creationId xmlns:a16="http://schemas.microsoft.com/office/drawing/2014/main" id="{035DAB24-4FE8-4A6F-A234-049EA6A18F1C}"/>
-              </a:ext>
-            </a:extLst>
-          </p:cNvPr>
-          <p:cNvSpPr/>
-          <p:nvPr/>
-        </p:nvSpPr>
-        <p:spPr>
-          <a:xfrm>
-            <a:off x="1374938" y="5629714"/>
-            <a:ext cx="1497526" cy="461665"/>
-          </a:xfrm>
-          <a:prstGeom prst="rect">
-            <a:avLst/>
-          </a:prstGeom>
-        </p:spPr>
-        <p:txBody>
-          <a:bodyPr wrap="none">
-            <a:spAutoFit/>
-          </a:bodyPr>
-          <a:lstStyle/>
-          <a:p>
-            <a:r>
-              <a:rPr lang="zh-CN" altLang="en-US" sz="2400" dirty="0"/>
-              <a:t>学在浙大</a:t>
-            </a:r>
-            <a:r>
-              <a:rPr lang="en-US" altLang="zh-CN" sz="2400" dirty="0"/>
-              <a:t>:</a:t>
-            </a:r>
-          </a:p>
-        </p:txBody>
-      </p:sp>
     </p:spTree>
     <p:extLst>
       <p:ext uri="{BB962C8B-B14F-4D97-AF65-F5344CB8AC3E}">
-        <p14:creationId xmlns:p14="http://schemas.microsoft.com/office/powerpoint/2010/main" val="3157842184"/>
+        <p14:creationId xmlns:p14="http://schemas.microsoft.com/office/powerpoint/2010/main" val="2172446924"/>
       </p:ext>
     </p:extLst>
   </p:cSld>

--- a/AdvOS/PPT+papers/L00-CourseIntro.pptx
+++ b/AdvOS/PPT+papers/L00-CourseIntro.pptx
@@ -2430,7 +2430,15 @@
           <a:p>
             <a:r>
               <a:rPr lang="zh-CN" altLang="en-US" sz="3600" dirty="0"/>
-              <a:t>不签到，不点名，可以课下看视频。上课问回答不计分。</a:t>
+              <a:t>不签到，不点名，可以课下看视频。上</a:t>
+            </a:r>
+            <a:r>
+              <a:rPr lang="zh-CN" altLang="en-US" sz="3600"/>
+              <a:t>课问答</a:t>
+            </a:r>
+            <a:r>
+              <a:rPr lang="zh-CN" altLang="en-US" sz="3600" dirty="0"/>
+              <a:t>不计分。</a:t>
             </a:r>
             <a:endParaRPr lang="en-US" altLang="zh-CN" sz="3600" dirty="0"/>
           </a:p>

--- a/AdvOS/PPT+papers/L00-CourseIntro.pptx
+++ b/AdvOS/PPT+papers/L00-CourseIntro.pptx
@@ -2556,11 +2556,7 @@
             <a:pPr lvl="1"/>
             <a:r>
               <a:rPr lang="en-US" altLang="zh-CN" dirty="0"/>
-              <a:t>Lecture schedule is subject </a:t>
-            </a:r>
-            <a:r>
-              <a:rPr lang="en-US" altLang="zh-CN"/>
-              <a:t>to change.</a:t>
+              <a:t>Lecture schedule is subject to change.</a:t>
             </a:r>
             <a:endParaRPr lang="zh-CN" altLang="zh-CN" dirty="0"/>
           </a:p>
@@ -3749,7 +3745,7 @@
             </a:r>
             <a:r>
               <a:rPr lang="en-US" altLang="zh-CN" dirty="0"/>
-              <a:t>) is due 06/26. Minimum 4 pages, in English or Chinese. Do not send me source code. </a:t>
+              <a:t>) is due 07/03. Minimum 4 pages, in English or Chinese. Do not send me source code. </a:t>
             </a:r>
           </a:p>
           <a:p>
